--- a/발표자료/졸업 작품 발표.pptx
+++ b/발표자료/졸업 작품 발표.pptx
@@ -14,6 +14,10 @@
     <p:sldId id="263" r:id="rId8"/>
     <p:sldId id="264" r:id="rId9"/>
     <p:sldId id="265" r:id="rId10"/>
+    <p:sldId id="266" r:id="rId11"/>
+    <p:sldId id="267" r:id="rId12"/>
+    <p:sldId id="268" r:id="rId13"/>
+    <p:sldId id="269" r:id="rId14"/>
   </p:sldIdLst>
   <p:sldSz cx="12192000" cy="6858000"/>
   <p:notesSz cx="6858000" cy="9144000"/>
@@ -267,7 +271,7 @@
           <a:p>
             <a:fld id="{0751C22D-0B3F-479E-BD90-573A24892160}" type="datetimeFigureOut">
               <a:rPr lang="ko-KR" altLang="en-US" smtClean="0"/>
-              <a:t>11/30/2021</a:t>
+              <a:t>2021-12-01</a:t>
             </a:fld>
             <a:endParaRPr lang="ko-KR" altLang="en-US"/>
           </a:p>
@@ -465,7 +469,7 @@
           <a:p>
             <a:fld id="{0751C22D-0B3F-479E-BD90-573A24892160}" type="datetimeFigureOut">
               <a:rPr lang="ko-KR" altLang="en-US" smtClean="0"/>
-              <a:t>11/30/2021</a:t>
+              <a:t>2021-12-01</a:t>
             </a:fld>
             <a:endParaRPr lang="ko-KR" altLang="en-US"/>
           </a:p>
@@ -673,7 +677,7 @@
           <a:p>
             <a:fld id="{0751C22D-0B3F-479E-BD90-573A24892160}" type="datetimeFigureOut">
               <a:rPr lang="ko-KR" altLang="en-US" smtClean="0"/>
-              <a:t>11/30/2021</a:t>
+              <a:t>2021-12-01</a:t>
             </a:fld>
             <a:endParaRPr lang="ko-KR" altLang="en-US"/>
           </a:p>
@@ -871,7 +875,7 @@
           <a:p>
             <a:fld id="{0751C22D-0B3F-479E-BD90-573A24892160}" type="datetimeFigureOut">
               <a:rPr lang="ko-KR" altLang="en-US" smtClean="0"/>
-              <a:t>11/30/2021</a:t>
+              <a:t>2021-12-01</a:t>
             </a:fld>
             <a:endParaRPr lang="ko-KR" altLang="en-US"/>
           </a:p>
@@ -1146,7 +1150,7 @@
           <a:p>
             <a:fld id="{0751C22D-0B3F-479E-BD90-573A24892160}" type="datetimeFigureOut">
               <a:rPr lang="ko-KR" altLang="en-US" smtClean="0"/>
-              <a:t>11/30/2021</a:t>
+              <a:t>2021-12-01</a:t>
             </a:fld>
             <a:endParaRPr lang="ko-KR" altLang="en-US"/>
           </a:p>
@@ -1411,7 +1415,7 @@
           <a:p>
             <a:fld id="{0751C22D-0B3F-479E-BD90-573A24892160}" type="datetimeFigureOut">
               <a:rPr lang="ko-KR" altLang="en-US" smtClean="0"/>
-              <a:t>11/30/2021</a:t>
+              <a:t>2021-12-01</a:t>
             </a:fld>
             <a:endParaRPr lang="ko-KR" altLang="en-US"/>
           </a:p>
@@ -1823,7 +1827,7 @@
           <a:p>
             <a:fld id="{0751C22D-0B3F-479E-BD90-573A24892160}" type="datetimeFigureOut">
               <a:rPr lang="ko-KR" altLang="en-US" smtClean="0"/>
-              <a:t>11/30/2021</a:t>
+              <a:t>2021-12-01</a:t>
             </a:fld>
             <a:endParaRPr lang="ko-KR" altLang="en-US"/>
           </a:p>
@@ -1964,7 +1968,7 @@
           <a:p>
             <a:fld id="{0751C22D-0B3F-479E-BD90-573A24892160}" type="datetimeFigureOut">
               <a:rPr lang="ko-KR" altLang="en-US" smtClean="0"/>
-              <a:t>11/30/2021</a:t>
+              <a:t>2021-12-01</a:t>
             </a:fld>
             <a:endParaRPr lang="ko-KR" altLang="en-US"/>
           </a:p>
@@ -2077,7 +2081,7 @@
           <a:p>
             <a:fld id="{0751C22D-0B3F-479E-BD90-573A24892160}" type="datetimeFigureOut">
               <a:rPr lang="ko-KR" altLang="en-US" smtClean="0"/>
-              <a:t>11/30/2021</a:t>
+              <a:t>2021-12-01</a:t>
             </a:fld>
             <a:endParaRPr lang="ko-KR" altLang="en-US"/>
           </a:p>
@@ -2388,7 +2392,7 @@
           <a:p>
             <a:fld id="{0751C22D-0B3F-479E-BD90-573A24892160}" type="datetimeFigureOut">
               <a:rPr lang="ko-KR" altLang="en-US" smtClean="0"/>
-              <a:t>11/30/2021</a:t>
+              <a:t>2021-12-01</a:t>
             </a:fld>
             <a:endParaRPr lang="ko-KR" altLang="en-US"/>
           </a:p>
@@ -2676,7 +2680,7 @@
           <a:p>
             <a:fld id="{0751C22D-0B3F-479E-BD90-573A24892160}" type="datetimeFigureOut">
               <a:rPr lang="ko-KR" altLang="en-US" smtClean="0"/>
-              <a:t>11/30/2021</a:t>
+              <a:t>2021-12-01</a:t>
             </a:fld>
             <a:endParaRPr lang="ko-KR" altLang="en-US"/>
           </a:p>
@@ -2917,7 +2921,7 @@
           <a:p>
             <a:fld id="{0751C22D-0B3F-479E-BD90-573A24892160}" type="datetimeFigureOut">
               <a:rPr lang="ko-KR" altLang="en-US" smtClean="0"/>
-              <a:t>11/30/2021</a:t>
+              <a:t>2021-12-01</a:t>
             </a:fld>
             <a:endParaRPr lang="ko-KR" altLang="en-US"/>
           </a:p>
@@ -3418,6 +3422,2745 @@
     <p:extLst>
       <p:ext uri="{BB962C8B-B14F-4D97-AF65-F5344CB8AC3E}">
         <p14:creationId xmlns:p14="http://schemas.microsoft.com/office/powerpoint/2010/main" val="1480516314"/>
+      </p:ext>
+    </p:extLst>
+  </p:cSld>
+  <p:clrMapOvr>
+    <a:masterClrMapping/>
+  </p:clrMapOvr>
+</p:sld>
+</file>
+
+<file path=ppt/slides/slide10.xml><?xml version="1.0" encoding="utf-8"?>
+<p:sld xmlns:a="http://schemas.openxmlformats.org/drawingml/2006/main" xmlns:r="http://schemas.openxmlformats.org/officeDocument/2006/relationships" xmlns:p="http://schemas.openxmlformats.org/presentationml/2006/main">
+  <p:cSld>
+    <p:spTree>
+      <p:nvGrpSpPr>
+        <p:cNvPr id="1" name=""/>
+        <p:cNvGrpSpPr/>
+        <p:nvPr/>
+      </p:nvGrpSpPr>
+      <p:grpSpPr>
+        <a:xfrm>
+          <a:off x="0" y="0"/>
+          <a:ext cx="0" cy="0"/>
+          <a:chOff x="0" y="0"/>
+          <a:chExt cx="0" cy="0"/>
+        </a:xfrm>
+      </p:grpSpPr>
+      <p:sp>
+        <p:nvSpPr>
+          <p:cNvPr id="7" name="TextBox 6">
+            <a:extLst>
+              <a:ext uri="{FF2B5EF4-FFF2-40B4-BE49-F238E27FC236}">
+                <a16:creationId xmlns:a16="http://schemas.microsoft.com/office/drawing/2014/main" id="{2B3F0A72-007C-4270-BC77-9D68756360AF}"/>
+              </a:ext>
+            </a:extLst>
+          </p:cNvPr>
+          <p:cNvSpPr txBox="1"/>
+          <p:nvPr/>
+        </p:nvSpPr>
+        <p:spPr>
+          <a:xfrm>
+            <a:off x="480974" y="549135"/>
+            <a:ext cx="3763365" cy="584775"/>
+          </a:xfrm>
+          <a:prstGeom prst="rect">
+            <a:avLst/>
+          </a:prstGeom>
+          <a:noFill/>
+        </p:spPr>
+        <p:txBody>
+          <a:bodyPr wrap="square" rtlCol="0">
+            <a:spAutoFit/>
+          </a:bodyPr>
+          <a:lstStyle/>
+          <a:p>
+            <a:r>
+              <a:rPr lang="en-US" altLang="ko-KR" sz="3200" b="1" dirty="0"/>
+              <a:t>2. </a:t>
+            </a:r>
+            <a:r>
+              <a:rPr lang="ko-KR" altLang="en-US" sz="3200" b="1" dirty="0"/>
+              <a:t>졸업작품 소개</a:t>
+            </a:r>
+          </a:p>
+        </p:txBody>
+      </p:sp>
+      <p:cxnSp>
+        <p:nvCxnSpPr>
+          <p:cNvPr id="3" name="직선 연결선 2">
+            <a:extLst>
+              <a:ext uri="{FF2B5EF4-FFF2-40B4-BE49-F238E27FC236}">
+                <a16:creationId xmlns:a16="http://schemas.microsoft.com/office/drawing/2014/main" id="{10F91401-385C-4092-AFA8-029941955D03}"/>
+              </a:ext>
+            </a:extLst>
+          </p:cNvPr>
+          <p:cNvCxnSpPr>
+            <a:cxnSpLocks/>
+          </p:cNvCxnSpPr>
+          <p:nvPr/>
+        </p:nvCxnSpPr>
+        <p:spPr>
+          <a:xfrm>
+            <a:off x="578839" y="1133910"/>
+            <a:ext cx="10771466" cy="0"/>
+          </a:xfrm>
+          <a:prstGeom prst="line">
+            <a:avLst/>
+          </a:prstGeom>
+          <a:ln w="19050">
+            <a:solidFill>
+              <a:schemeClr val="tx1"/>
+            </a:solidFill>
+          </a:ln>
+        </p:spPr>
+        <p:style>
+          <a:lnRef idx="1">
+            <a:schemeClr val="accent1"/>
+          </a:lnRef>
+          <a:fillRef idx="0">
+            <a:schemeClr val="accent1"/>
+          </a:fillRef>
+          <a:effectRef idx="0">
+            <a:schemeClr val="accent1"/>
+          </a:effectRef>
+          <a:fontRef idx="minor">
+            <a:schemeClr val="tx1"/>
+          </a:fontRef>
+        </p:style>
+      </p:cxnSp>
+      <p:cxnSp>
+        <p:nvCxnSpPr>
+          <p:cNvPr id="14" name="직선 연결선 13">
+            <a:extLst>
+              <a:ext uri="{FF2B5EF4-FFF2-40B4-BE49-F238E27FC236}">
+                <a16:creationId xmlns:a16="http://schemas.microsoft.com/office/drawing/2014/main" id="{9D517302-2E49-4568-B86A-3D6953150155}"/>
+              </a:ext>
+            </a:extLst>
+          </p:cNvPr>
+          <p:cNvCxnSpPr/>
+          <p:nvPr/>
+        </p:nvCxnSpPr>
+        <p:spPr>
+          <a:xfrm>
+            <a:off x="578839" y="1133910"/>
+            <a:ext cx="10771466" cy="0"/>
+          </a:xfrm>
+          <a:prstGeom prst="line">
+            <a:avLst/>
+          </a:prstGeom>
+          <a:ln w="19050">
+            <a:solidFill>
+              <a:schemeClr val="tx1"/>
+            </a:solidFill>
+          </a:ln>
+        </p:spPr>
+        <p:style>
+          <a:lnRef idx="1">
+            <a:schemeClr val="accent1"/>
+          </a:lnRef>
+          <a:fillRef idx="0">
+            <a:schemeClr val="accent1"/>
+          </a:fillRef>
+          <a:effectRef idx="0">
+            <a:schemeClr val="accent1"/>
+          </a:effectRef>
+          <a:fontRef idx="minor">
+            <a:schemeClr val="tx1"/>
+          </a:fontRef>
+        </p:style>
+      </p:cxnSp>
+      <p:sp>
+        <p:nvSpPr>
+          <p:cNvPr id="10" name="직사각형 9">
+            <a:extLst>
+              <a:ext uri="{FF2B5EF4-FFF2-40B4-BE49-F238E27FC236}">
+                <a16:creationId xmlns:a16="http://schemas.microsoft.com/office/drawing/2014/main" id="{A73F1476-F480-443A-9A9A-B6AE4B274E21}"/>
+              </a:ext>
+            </a:extLst>
+          </p:cNvPr>
+          <p:cNvSpPr/>
+          <p:nvPr/>
+        </p:nvSpPr>
+        <p:spPr>
+          <a:xfrm>
+            <a:off x="1078073" y="2460567"/>
+            <a:ext cx="2751513" cy="1770611"/>
+          </a:xfrm>
+          <a:prstGeom prst="rect">
+            <a:avLst/>
+          </a:prstGeom>
+          <a:noFill/>
+          <a:ln>
+            <a:solidFill>
+              <a:schemeClr val="tx1"/>
+            </a:solidFill>
+          </a:ln>
+        </p:spPr>
+        <p:style>
+          <a:lnRef idx="2">
+            <a:schemeClr val="accent1">
+              <a:shade val="50000"/>
+            </a:schemeClr>
+          </a:lnRef>
+          <a:fillRef idx="1">
+            <a:schemeClr val="accent1"/>
+          </a:fillRef>
+          <a:effectRef idx="0">
+            <a:schemeClr val="accent1"/>
+          </a:effectRef>
+          <a:fontRef idx="minor">
+            <a:schemeClr val="lt1"/>
+          </a:fontRef>
+        </p:style>
+        <p:txBody>
+          <a:bodyPr rtlCol="0" anchor="ctr"/>
+          <a:lstStyle/>
+          <a:p>
+            <a:pPr algn="ctr"/>
+            <a:r>
+              <a:rPr lang="ko-KR" altLang="en-US" dirty="0">
+                <a:solidFill>
+                  <a:schemeClr val="tx1"/>
+                </a:solidFill>
+              </a:rPr>
+              <a:t>참고 자료 사진</a:t>
+            </a:r>
+          </a:p>
+        </p:txBody>
+      </p:sp>
+      <p:sp>
+        <p:nvSpPr>
+          <p:cNvPr id="11" name="직사각형 10">
+            <a:extLst>
+              <a:ext uri="{FF2B5EF4-FFF2-40B4-BE49-F238E27FC236}">
+                <a16:creationId xmlns:a16="http://schemas.microsoft.com/office/drawing/2014/main" id="{D108B7A1-B560-4B3D-8EEE-83A10100A09B}"/>
+              </a:ext>
+            </a:extLst>
+          </p:cNvPr>
+          <p:cNvSpPr/>
+          <p:nvPr/>
+        </p:nvSpPr>
+        <p:spPr>
+          <a:xfrm>
+            <a:off x="4588815" y="2460567"/>
+            <a:ext cx="2751513" cy="1770611"/>
+          </a:xfrm>
+          <a:prstGeom prst="rect">
+            <a:avLst/>
+          </a:prstGeom>
+          <a:noFill/>
+          <a:ln>
+            <a:solidFill>
+              <a:schemeClr val="tx1"/>
+            </a:solidFill>
+          </a:ln>
+        </p:spPr>
+        <p:style>
+          <a:lnRef idx="2">
+            <a:schemeClr val="accent1">
+              <a:shade val="50000"/>
+            </a:schemeClr>
+          </a:lnRef>
+          <a:fillRef idx="1">
+            <a:schemeClr val="accent1"/>
+          </a:fillRef>
+          <a:effectRef idx="0">
+            <a:schemeClr val="accent1"/>
+          </a:effectRef>
+          <a:fontRef idx="minor">
+            <a:schemeClr val="lt1"/>
+          </a:fontRef>
+        </p:style>
+        <p:txBody>
+          <a:bodyPr rtlCol="0" anchor="ctr"/>
+          <a:lstStyle/>
+          <a:p>
+            <a:pPr algn="ctr"/>
+            <a:r>
+              <a:rPr lang="ko-KR" altLang="en-US" dirty="0">
+                <a:solidFill>
+                  <a:schemeClr val="tx1"/>
+                </a:solidFill>
+              </a:rPr>
+              <a:t>참고 자료 사진</a:t>
+            </a:r>
+          </a:p>
+        </p:txBody>
+      </p:sp>
+      <p:sp>
+        <p:nvSpPr>
+          <p:cNvPr id="12" name="직사각형 11">
+            <a:extLst>
+              <a:ext uri="{FF2B5EF4-FFF2-40B4-BE49-F238E27FC236}">
+                <a16:creationId xmlns:a16="http://schemas.microsoft.com/office/drawing/2014/main" id="{FAC769E1-E2B1-45D2-82FE-BFDB02CD2B03}"/>
+              </a:ext>
+            </a:extLst>
+          </p:cNvPr>
+          <p:cNvSpPr/>
+          <p:nvPr/>
+        </p:nvSpPr>
+        <p:spPr>
+          <a:xfrm>
+            <a:off x="8099557" y="2460566"/>
+            <a:ext cx="2751513" cy="1770611"/>
+          </a:xfrm>
+          <a:prstGeom prst="rect">
+            <a:avLst/>
+          </a:prstGeom>
+          <a:noFill/>
+          <a:ln>
+            <a:solidFill>
+              <a:schemeClr val="tx1"/>
+            </a:solidFill>
+          </a:ln>
+        </p:spPr>
+        <p:style>
+          <a:lnRef idx="2">
+            <a:schemeClr val="accent1">
+              <a:shade val="50000"/>
+            </a:schemeClr>
+          </a:lnRef>
+          <a:fillRef idx="1">
+            <a:schemeClr val="accent1"/>
+          </a:fillRef>
+          <a:effectRef idx="0">
+            <a:schemeClr val="accent1"/>
+          </a:effectRef>
+          <a:fontRef idx="minor">
+            <a:schemeClr val="lt1"/>
+          </a:fontRef>
+        </p:style>
+        <p:txBody>
+          <a:bodyPr rtlCol="0" anchor="ctr"/>
+          <a:lstStyle/>
+          <a:p>
+            <a:pPr algn="ctr"/>
+            <a:r>
+              <a:rPr lang="ko-KR" altLang="en-US" dirty="0">
+                <a:solidFill>
+                  <a:schemeClr val="tx1"/>
+                </a:solidFill>
+              </a:rPr>
+              <a:t>참고 자료 사진</a:t>
+            </a:r>
+          </a:p>
+        </p:txBody>
+      </p:sp>
+      <p:sp>
+        <p:nvSpPr>
+          <p:cNvPr id="13" name="TextBox 12">
+            <a:extLst>
+              <a:ext uri="{FF2B5EF4-FFF2-40B4-BE49-F238E27FC236}">
+                <a16:creationId xmlns:a16="http://schemas.microsoft.com/office/drawing/2014/main" id="{C306C610-39E8-4E38-8495-17C968E6F178}"/>
+              </a:ext>
+            </a:extLst>
+          </p:cNvPr>
+          <p:cNvSpPr txBox="1"/>
+          <p:nvPr/>
+        </p:nvSpPr>
+        <p:spPr>
+          <a:xfrm>
+            <a:off x="1240171" y="4561901"/>
+            <a:ext cx="2427316" cy="369332"/>
+          </a:xfrm>
+          <a:prstGeom prst="rect">
+            <a:avLst/>
+          </a:prstGeom>
+          <a:noFill/>
+        </p:spPr>
+        <p:txBody>
+          <a:bodyPr wrap="square" rtlCol="0">
+            <a:spAutoFit/>
+          </a:bodyPr>
+          <a:lstStyle/>
+          <a:p>
+            <a:pPr algn="ctr"/>
+            <a:r>
+              <a:rPr lang="ko-KR" altLang="en-US" dirty="0"/>
+              <a:t>유튜브</a:t>
+            </a:r>
+          </a:p>
+        </p:txBody>
+      </p:sp>
+      <p:sp>
+        <p:nvSpPr>
+          <p:cNvPr id="15" name="TextBox 14">
+            <a:extLst>
+              <a:ext uri="{FF2B5EF4-FFF2-40B4-BE49-F238E27FC236}">
+                <a16:creationId xmlns:a16="http://schemas.microsoft.com/office/drawing/2014/main" id="{8893F710-8067-4534-9F1C-7ED13E0C6AD1}"/>
+              </a:ext>
+            </a:extLst>
+          </p:cNvPr>
+          <p:cNvSpPr txBox="1"/>
+          <p:nvPr/>
+        </p:nvSpPr>
+        <p:spPr>
+          <a:xfrm>
+            <a:off x="4750913" y="4553588"/>
+            <a:ext cx="2427316" cy="369332"/>
+          </a:xfrm>
+          <a:prstGeom prst="rect">
+            <a:avLst/>
+          </a:prstGeom>
+          <a:noFill/>
+        </p:spPr>
+        <p:txBody>
+          <a:bodyPr wrap="square" rtlCol="0">
+            <a:spAutoFit/>
+          </a:bodyPr>
+          <a:lstStyle/>
+          <a:p>
+            <a:pPr algn="ctr"/>
+            <a:r>
+              <a:rPr lang="ko-KR" altLang="en-US" dirty="0"/>
+              <a:t>이득우의 </a:t>
+            </a:r>
+            <a:r>
+              <a:rPr lang="ko-KR" altLang="en-US" dirty="0" err="1"/>
+              <a:t>언리언</a:t>
+            </a:r>
+            <a:r>
+              <a:rPr lang="ko-KR" altLang="en-US" dirty="0"/>
+              <a:t> </a:t>
+            </a:r>
+            <a:r>
+              <a:rPr lang="en-US" altLang="ko-KR" dirty="0"/>
+              <a:t>C++</a:t>
+            </a:r>
+            <a:endParaRPr lang="ko-KR" altLang="en-US" dirty="0"/>
+          </a:p>
+        </p:txBody>
+      </p:sp>
+      <p:sp>
+        <p:nvSpPr>
+          <p:cNvPr id="16" name="TextBox 15">
+            <a:extLst>
+              <a:ext uri="{FF2B5EF4-FFF2-40B4-BE49-F238E27FC236}">
+                <a16:creationId xmlns:a16="http://schemas.microsoft.com/office/drawing/2014/main" id="{491113A2-C470-4161-84EB-0BA73DB1397B}"/>
+              </a:ext>
+            </a:extLst>
+          </p:cNvPr>
+          <p:cNvSpPr txBox="1"/>
+          <p:nvPr/>
+        </p:nvSpPr>
+        <p:spPr>
+          <a:xfrm>
+            <a:off x="8261655" y="4553588"/>
+            <a:ext cx="2427316" cy="369332"/>
+          </a:xfrm>
+          <a:prstGeom prst="rect">
+            <a:avLst/>
+          </a:prstGeom>
+          <a:noFill/>
+        </p:spPr>
+        <p:txBody>
+          <a:bodyPr wrap="square" rtlCol="0">
+            <a:spAutoFit/>
+          </a:bodyPr>
+          <a:lstStyle/>
+          <a:p>
+            <a:pPr algn="ctr"/>
+            <a:r>
+              <a:rPr lang="ko-KR" altLang="en-US" dirty="0"/>
+              <a:t>공식 사이트</a:t>
+            </a:r>
+          </a:p>
+        </p:txBody>
+      </p:sp>
+    </p:spTree>
+    <p:extLst>
+      <p:ext uri="{BB962C8B-B14F-4D97-AF65-F5344CB8AC3E}">
+        <p14:creationId xmlns:p14="http://schemas.microsoft.com/office/powerpoint/2010/main" val="889974854"/>
+      </p:ext>
+    </p:extLst>
+  </p:cSld>
+  <p:clrMapOvr>
+    <a:masterClrMapping/>
+  </p:clrMapOvr>
+</p:sld>
+</file>
+
+<file path=ppt/slides/slide11.xml><?xml version="1.0" encoding="utf-8"?>
+<p:sld xmlns:a="http://schemas.openxmlformats.org/drawingml/2006/main" xmlns:r="http://schemas.openxmlformats.org/officeDocument/2006/relationships" xmlns:p="http://schemas.openxmlformats.org/presentationml/2006/main">
+  <p:cSld>
+    <p:spTree>
+      <p:nvGrpSpPr>
+        <p:cNvPr id="1" name=""/>
+        <p:cNvGrpSpPr/>
+        <p:nvPr/>
+      </p:nvGrpSpPr>
+      <p:grpSpPr>
+        <a:xfrm>
+          <a:off x="0" y="0"/>
+          <a:ext cx="0" cy="0"/>
+          <a:chOff x="0" y="0"/>
+          <a:chExt cx="0" cy="0"/>
+        </a:xfrm>
+      </p:grpSpPr>
+      <p:sp>
+        <p:nvSpPr>
+          <p:cNvPr id="7" name="TextBox 6">
+            <a:extLst>
+              <a:ext uri="{FF2B5EF4-FFF2-40B4-BE49-F238E27FC236}">
+                <a16:creationId xmlns:a16="http://schemas.microsoft.com/office/drawing/2014/main" id="{2B3F0A72-007C-4270-BC77-9D68756360AF}"/>
+              </a:ext>
+            </a:extLst>
+          </p:cNvPr>
+          <p:cNvSpPr txBox="1"/>
+          <p:nvPr/>
+        </p:nvSpPr>
+        <p:spPr>
+          <a:xfrm>
+            <a:off x="480974" y="549135"/>
+            <a:ext cx="3763365" cy="584775"/>
+          </a:xfrm>
+          <a:prstGeom prst="rect">
+            <a:avLst/>
+          </a:prstGeom>
+          <a:noFill/>
+        </p:spPr>
+        <p:txBody>
+          <a:bodyPr wrap="square" rtlCol="0">
+            <a:spAutoFit/>
+          </a:bodyPr>
+          <a:lstStyle/>
+          <a:p>
+            <a:r>
+              <a:rPr lang="en-US" altLang="ko-KR" sz="3200" b="1" dirty="0"/>
+              <a:t>2. </a:t>
+            </a:r>
+            <a:r>
+              <a:rPr lang="ko-KR" altLang="en-US" sz="3200" b="1" dirty="0"/>
+              <a:t>졸업작품 소개</a:t>
+            </a:r>
+          </a:p>
+        </p:txBody>
+      </p:sp>
+      <p:cxnSp>
+        <p:nvCxnSpPr>
+          <p:cNvPr id="3" name="직선 연결선 2">
+            <a:extLst>
+              <a:ext uri="{FF2B5EF4-FFF2-40B4-BE49-F238E27FC236}">
+                <a16:creationId xmlns:a16="http://schemas.microsoft.com/office/drawing/2014/main" id="{10F91401-385C-4092-AFA8-029941955D03}"/>
+              </a:ext>
+            </a:extLst>
+          </p:cNvPr>
+          <p:cNvCxnSpPr>
+            <a:cxnSpLocks/>
+          </p:cNvCxnSpPr>
+          <p:nvPr/>
+        </p:nvCxnSpPr>
+        <p:spPr>
+          <a:xfrm>
+            <a:off x="578839" y="1133910"/>
+            <a:ext cx="10771466" cy="0"/>
+          </a:xfrm>
+          <a:prstGeom prst="line">
+            <a:avLst/>
+          </a:prstGeom>
+          <a:ln w="19050">
+            <a:solidFill>
+              <a:schemeClr val="tx1"/>
+            </a:solidFill>
+          </a:ln>
+        </p:spPr>
+        <p:style>
+          <a:lnRef idx="1">
+            <a:schemeClr val="accent1"/>
+          </a:lnRef>
+          <a:fillRef idx="0">
+            <a:schemeClr val="accent1"/>
+          </a:fillRef>
+          <a:effectRef idx="0">
+            <a:schemeClr val="accent1"/>
+          </a:effectRef>
+          <a:fontRef idx="minor">
+            <a:schemeClr val="tx1"/>
+          </a:fontRef>
+        </p:style>
+      </p:cxnSp>
+      <p:cxnSp>
+        <p:nvCxnSpPr>
+          <p:cNvPr id="14" name="직선 연결선 13">
+            <a:extLst>
+              <a:ext uri="{FF2B5EF4-FFF2-40B4-BE49-F238E27FC236}">
+                <a16:creationId xmlns:a16="http://schemas.microsoft.com/office/drawing/2014/main" id="{9D517302-2E49-4568-B86A-3D6953150155}"/>
+              </a:ext>
+            </a:extLst>
+          </p:cNvPr>
+          <p:cNvCxnSpPr/>
+          <p:nvPr/>
+        </p:nvCxnSpPr>
+        <p:spPr>
+          <a:xfrm>
+            <a:off x="578839" y="1133910"/>
+            <a:ext cx="10771466" cy="0"/>
+          </a:xfrm>
+          <a:prstGeom prst="line">
+            <a:avLst/>
+          </a:prstGeom>
+          <a:ln w="19050">
+            <a:solidFill>
+              <a:schemeClr val="tx1"/>
+            </a:solidFill>
+          </a:ln>
+        </p:spPr>
+        <p:style>
+          <a:lnRef idx="1">
+            <a:schemeClr val="accent1"/>
+          </a:lnRef>
+          <a:fillRef idx="0">
+            <a:schemeClr val="accent1"/>
+          </a:fillRef>
+          <a:effectRef idx="0">
+            <a:schemeClr val="accent1"/>
+          </a:effectRef>
+          <a:fontRef idx="minor">
+            <a:schemeClr val="tx1"/>
+          </a:fontRef>
+        </p:style>
+      </p:cxnSp>
+      <p:sp>
+        <p:nvSpPr>
+          <p:cNvPr id="6" name="직사각형 5">
+            <a:extLst>
+              <a:ext uri="{FF2B5EF4-FFF2-40B4-BE49-F238E27FC236}">
+                <a16:creationId xmlns:a16="http://schemas.microsoft.com/office/drawing/2014/main" id="{5FA05545-6F27-4A62-A844-028E9644D983}"/>
+              </a:ext>
+            </a:extLst>
+          </p:cNvPr>
+          <p:cNvSpPr/>
+          <p:nvPr/>
+        </p:nvSpPr>
+        <p:spPr>
+          <a:xfrm>
+            <a:off x="795441" y="1787237"/>
+            <a:ext cx="3786719" cy="1956351"/>
+          </a:xfrm>
+          <a:prstGeom prst="rect">
+            <a:avLst/>
+          </a:prstGeom>
+          <a:noFill/>
+          <a:ln>
+            <a:solidFill>
+              <a:schemeClr val="tx1"/>
+            </a:solidFill>
+          </a:ln>
+        </p:spPr>
+        <p:style>
+          <a:lnRef idx="2">
+            <a:schemeClr val="accent1">
+              <a:shade val="50000"/>
+            </a:schemeClr>
+          </a:lnRef>
+          <a:fillRef idx="1">
+            <a:schemeClr val="accent1"/>
+          </a:fillRef>
+          <a:effectRef idx="0">
+            <a:schemeClr val="accent1"/>
+          </a:effectRef>
+          <a:fontRef idx="minor">
+            <a:schemeClr val="lt1"/>
+          </a:fontRef>
+        </p:style>
+        <p:txBody>
+          <a:bodyPr rtlCol="0" anchor="ctr"/>
+          <a:lstStyle/>
+          <a:p>
+            <a:pPr algn="ctr"/>
+            <a:r>
+              <a:rPr lang="ko-KR" altLang="en-US" dirty="0">
+                <a:solidFill>
+                  <a:schemeClr val="tx1"/>
+                </a:solidFill>
+              </a:rPr>
+              <a:t>졸작 사진</a:t>
+            </a:r>
+          </a:p>
+        </p:txBody>
+      </p:sp>
+      <p:sp>
+        <p:nvSpPr>
+          <p:cNvPr id="4" name="화살표: 왼쪽 3">
+            <a:extLst>
+              <a:ext uri="{FF2B5EF4-FFF2-40B4-BE49-F238E27FC236}">
+                <a16:creationId xmlns:a16="http://schemas.microsoft.com/office/drawing/2014/main" id="{2CED5CED-729A-4967-9C22-5E37C2136B5F}"/>
+              </a:ext>
+            </a:extLst>
+          </p:cNvPr>
+          <p:cNvSpPr/>
+          <p:nvPr/>
+        </p:nvSpPr>
+        <p:spPr>
+          <a:xfrm>
+            <a:off x="5267619" y="2436700"/>
+            <a:ext cx="1815172" cy="266006"/>
+          </a:xfrm>
+          <a:prstGeom prst="leftArrow">
+            <a:avLst/>
+          </a:prstGeom>
+          <a:solidFill>
+            <a:schemeClr val="tx1"/>
+          </a:solidFill>
+          <a:ln>
+            <a:solidFill>
+              <a:schemeClr val="tx1"/>
+            </a:solidFill>
+          </a:ln>
+        </p:spPr>
+        <p:style>
+          <a:lnRef idx="2">
+            <a:schemeClr val="accent1">
+              <a:shade val="50000"/>
+            </a:schemeClr>
+          </a:lnRef>
+          <a:fillRef idx="1">
+            <a:schemeClr val="accent1"/>
+          </a:fillRef>
+          <a:effectRef idx="0">
+            <a:schemeClr val="accent1"/>
+          </a:effectRef>
+          <a:fontRef idx="minor">
+            <a:schemeClr val="lt1"/>
+          </a:fontRef>
+        </p:style>
+        <p:txBody>
+          <a:bodyPr rtlCol="0" anchor="ctr"/>
+          <a:lstStyle/>
+          <a:p>
+            <a:pPr algn="ctr"/>
+            <a:endParaRPr lang="ko-KR" altLang="en-US"/>
+          </a:p>
+        </p:txBody>
+      </p:sp>
+      <p:pic>
+        <p:nvPicPr>
+          <p:cNvPr id="12" name="그래픽 11" descr="사용자 윤곽선">
+            <a:extLst>
+              <a:ext uri="{FF2B5EF4-FFF2-40B4-BE49-F238E27FC236}">
+                <a16:creationId xmlns:a16="http://schemas.microsoft.com/office/drawing/2014/main" id="{D559A545-93D5-43ED-9412-4E797E7D5EC2}"/>
+              </a:ext>
+            </a:extLst>
+          </p:cNvPr>
+          <p:cNvPicPr>
+            <a:picLocks noChangeAspect="1"/>
+          </p:cNvPicPr>
+          <p:nvPr/>
+        </p:nvPicPr>
+        <p:blipFill>
+          <a:blip r:embed="rId2">
+            <a:extLst>
+              <a:ext uri="{28A0092B-C50C-407E-A947-70E740481C1C}">
+                <a14:useLocalDpi xmlns:a14="http://schemas.microsoft.com/office/drawing/2010/main" val="0"/>
+              </a:ext>
+              <a:ext uri="{96DAC541-7B7A-43D3-8B79-37D633B846F1}">
+                <asvg:svgBlip xmlns:asvg="http://schemas.microsoft.com/office/drawing/2016/SVG/main" r:embed="rId3"/>
+              </a:ext>
+            </a:extLst>
+          </a:blip>
+          <a:stretch>
+            <a:fillRect/>
+          </a:stretch>
+        </p:blipFill>
+        <p:spPr>
+          <a:xfrm>
+            <a:off x="9878291" y="2672542"/>
+            <a:ext cx="914400" cy="914400"/>
+          </a:xfrm>
+          <a:prstGeom prst="rect">
+            <a:avLst/>
+          </a:prstGeom>
+        </p:spPr>
+      </p:pic>
+      <p:sp>
+        <p:nvSpPr>
+          <p:cNvPr id="16" name="말풍선: 모서리가 둥근 사각형 15">
+            <a:extLst>
+              <a:ext uri="{FF2B5EF4-FFF2-40B4-BE49-F238E27FC236}">
+                <a16:creationId xmlns:a16="http://schemas.microsoft.com/office/drawing/2014/main" id="{3D9C712B-E0C7-4CA8-960B-66D9BD49D137}"/>
+              </a:ext>
+            </a:extLst>
+          </p:cNvPr>
+          <p:cNvSpPr/>
+          <p:nvPr/>
+        </p:nvSpPr>
+        <p:spPr>
+          <a:xfrm>
+            <a:off x="7290816" y="1718686"/>
+            <a:ext cx="1956816" cy="822960"/>
+          </a:xfrm>
+          <a:prstGeom prst="wedgeRoundRectCallout">
+            <a:avLst>
+              <a:gd name="adj1" fmla="val 82282"/>
+              <a:gd name="adj2" fmla="val 93611"/>
+              <a:gd name="adj3" fmla="val 16667"/>
+            </a:avLst>
+          </a:prstGeom>
+          <a:noFill/>
+          <a:ln w="28575">
+            <a:solidFill>
+              <a:schemeClr val="tx1"/>
+            </a:solidFill>
+          </a:ln>
+        </p:spPr>
+        <p:style>
+          <a:lnRef idx="2">
+            <a:schemeClr val="accent1">
+              <a:shade val="50000"/>
+            </a:schemeClr>
+          </a:lnRef>
+          <a:fillRef idx="1">
+            <a:schemeClr val="accent1"/>
+          </a:fillRef>
+          <a:effectRef idx="0">
+            <a:schemeClr val="accent1"/>
+          </a:effectRef>
+          <a:fontRef idx="minor">
+            <a:schemeClr val="lt1"/>
+          </a:fontRef>
+        </p:style>
+        <p:txBody>
+          <a:bodyPr rtlCol="0" anchor="ctr"/>
+          <a:lstStyle/>
+          <a:p>
+            <a:pPr algn="ctr"/>
+            <a:r>
+              <a:rPr lang="ko-KR" altLang="en-US" sz="1400" b="1" dirty="0">
+                <a:solidFill>
+                  <a:schemeClr val="tx1"/>
+                </a:solidFill>
+              </a:rPr>
+              <a:t>너무</a:t>
+            </a:r>
+            <a:r>
+              <a:rPr lang="en-US" altLang="ko-KR" sz="1400" b="1" dirty="0">
+                <a:solidFill>
+                  <a:schemeClr val="tx1"/>
+                </a:solidFill>
+              </a:rPr>
+              <a:t>… </a:t>
+            </a:r>
+            <a:r>
+              <a:rPr lang="ko-KR" altLang="en-US" sz="1400" b="1" dirty="0">
+                <a:solidFill>
+                  <a:schemeClr val="tx1"/>
+                </a:solidFill>
+              </a:rPr>
+              <a:t>허접</a:t>
+            </a:r>
+            <a:r>
+              <a:rPr lang="en-US" altLang="ko-KR" sz="1400" b="1" dirty="0">
+                <a:solidFill>
+                  <a:schemeClr val="tx1"/>
+                </a:solidFill>
+              </a:rPr>
+              <a:t>;</a:t>
+            </a:r>
+          </a:p>
+          <a:p>
+            <a:pPr algn="ctr"/>
+            <a:r>
+              <a:rPr lang="ko-KR" altLang="en-US" sz="1400" b="1" dirty="0">
+                <a:solidFill>
+                  <a:schemeClr val="tx1"/>
+                </a:solidFill>
+              </a:rPr>
+              <a:t>그냥 유니티 </a:t>
+            </a:r>
+            <a:r>
+              <a:rPr lang="ko-KR" altLang="en-US" sz="1400" b="1" dirty="0" err="1">
+                <a:solidFill>
+                  <a:schemeClr val="tx1"/>
+                </a:solidFill>
+              </a:rPr>
+              <a:t>쓸껄</a:t>
+            </a:r>
+            <a:r>
+              <a:rPr lang="en-US" altLang="ko-KR" sz="1400" b="1" dirty="0">
+                <a:solidFill>
+                  <a:schemeClr val="tx1"/>
+                </a:solidFill>
+              </a:rPr>
+              <a:t>…</a:t>
+            </a:r>
+            <a:endParaRPr lang="ko-KR" altLang="en-US" sz="1400" b="1" dirty="0">
+              <a:solidFill>
+                <a:schemeClr val="tx1"/>
+              </a:solidFill>
+            </a:endParaRPr>
+          </a:p>
+        </p:txBody>
+      </p:sp>
+      <p:sp>
+        <p:nvSpPr>
+          <p:cNvPr id="17" name="TextBox 16">
+            <a:extLst>
+              <a:ext uri="{FF2B5EF4-FFF2-40B4-BE49-F238E27FC236}">
+                <a16:creationId xmlns:a16="http://schemas.microsoft.com/office/drawing/2014/main" id="{AB6F2FD9-AF9E-4D02-BDCD-84CDA9E1CAD7}"/>
+              </a:ext>
+            </a:extLst>
+          </p:cNvPr>
+          <p:cNvSpPr txBox="1"/>
+          <p:nvPr/>
+        </p:nvSpPr>
+        <p:spPr>
+          <a:xfrm>
+            <a:off x="10102734" y="3188516"/>
+            <a:ext cx="465513" cy="369332"/>
+          </a:xfrm>
+          <a:prstGeom prst="rect">
+            <a:avLst/>
+          </a:prstGeom>
+          <a:noFill/>
+        </p:spPr>
+        <p:txBody>
+          <a:bodyPr wrap="square" rtlCol="0">
+            <a:spAutoFit/>
+          </a:bodyPr>
+          <a:lstStyle/>
+          <a:p>
+            <a:pPr algn="ctr"/>
+            <a:r>
+              <a:rPr lang="ko-KR" altLang="en-US" dirty="0"/>
+              <a:t>나</a:t>
+            </a:r>
+          </a:p>
+        </p:txBody>
+      </p:sp>
+      <p:pic>
+        <p:nvPicPr>
+          <p:cNvPr id="19" name="그래픽 18" descr="도시 윤곽선">
+            <a:extLst>
+              <a:ext uri="{FF2B5EF4-FFF2-40B4-BE49-F238E27FC236}">
+                <a16:creationId xmlns:a16="http://schemas.microsoft.com/office/drawing/2014/main" id="{22CF48FC-4BF1-484F-8B0A-4DDE707959F1}"/>
+              </a:ext>
+            </a:extLst>
+          </p:cNvPr>
+          <p:cNvPicPr>
+            <a:picLocks noChangeAspect="1"/>
+          </p:cNvPicPr>
+          <p:nvPr/>
+        </p:nvPicPr>
+        <p:blipFill>
+          <a:blip r:embed="rId4">
+            <a:extLst>
+              <a:ext uri="{28A0092B-C50C-407E-A947-70E740481C1C}">
+                <a14:useLocalDpi xmlns:a14="http://schemas.microsoft.com/office/drawing/2010/main" val="0"/>
+              </a:ext>
+              <a:ext uri="{96DAC541-7B7A-43D3-8B79-37D633B846F1}">
+                <asvg:svgBlip xmlns:asvg="http://schemas.microsoft.com/office/drawing/2016/SVG/main" r:embed="rId5"/>
+              </a:ext>
+            </a:extLst>
+          </a:blip>
+          <a:stretch>
+            <a:fillRect/>
+          </a:stretch>
+        </p:blipFill>
+        <p:spPr>
+          <a:xfrm>
+            <a:off x="5267619" y="4416108"/>
+            <a:ext cx="2067098" cy="2067098"/>
+          </a:xfrm>
+          <a:prstGeom prst="rect">
+            <a:avLst/>
+          </a:prstGeom>
+        </p:spPr>
+      </p:pic>
+      <p:sp>
+        <p:nvSpPr>
+          <p:cNvPr id="20" name="화살표: 왼쪽 19">
+            <a:extLst>
+              <a:ext uri="{FF2B5EF4-FFF2-40B4-BE49-F238E27FC236}">
+                <a16:creationId xmlns:a16="http://schemas.microsoft.com/office/drawing/2014/main" id="{EDA22B06-78F5-4B01-B3D0-62634062248A}"/>
+              </a:ext>
+            </a:extLst>
+          </p:cNvPr>
+          <p:cNvSpPr/>
+          <p:nvPr/>
+        </p:nvSpPr>
+        <p:spPr>
+          <a:xfrm rot="8928173">
+            <a:off x="7337089" y="4379423"/>
+            <a:ext cx="2529287" cy="266006"/>
+          </a:xfrm>
+          <a:prstGeom prst="leftArrow">
+            <a:avLst/>
+          </a:prstGeom>
+          <a:solidFill>
+            <a:schemeClr val="tx1"/>
+          </a:solidFill>
+          <a:ln>
+            <a:solidFill>
+              <a:schemeClr val="tx1"/>
+            </a:solidFill>
+          </a:ln>
+        </p:spPr>
+        <p:style>
+          <a:lnRef idx="2">
+            <a:schemeClr val="accent1">
+              <a:shade val="50000"/>
+            </a:schemeClr>
+          </a:lnRef>
+          <a:fillRef idx="1">
+            <a:schemeClr val="accent1"/>
+          </a:fillRef>
+          <a:effectRef idx="0">
+            <a:schemeClr val="accent1"/>
+          </a:effectRef>
+          <a:fontRef idx="minor">
+            <a:schemeClr val="lt1"/>
+          </a:fontRef>
+        </p:style>
+        <p:txBody>
+          <a:bodyPr rtlCol="0" anchor="ctr"/>
+          <a:lstStyle/>
+          <a:p>
+            <a:pPr algn="ctr"/>
+            <a:endParaRPr lang="ko-KR" altLang="en-US"/>
+          </a:p>
+        </p:txBody>
+      </p:sp>
+      <p:sp>
+        <p:nvSpPr>
+          <p:cNvPr id="21" name="말풍선: 모서리가 둥근 사각형 20">
+            <a:extLst>
+              <a:ext uri="{FF2B5EF4-FFF2-40B4-BE49-F238E27FC236}">
+                <a16:creationId xmlns:a16="http://schemas.microsoft.com/office/drawing/2014/main" id="{BE6A69CA-258F-434F-8D0E-1AF879FAA1B3}"/>
+              </a:ext>
+            </a:extLst>
+          </p:cNvPr>
+          <p:cNvSpPr/>
+          <p:nvPr/>
+        </p:nvSpPr>
+        <p:spPr>
+          <a:xfrm>
+            <a:off x="1469965" y="4211174"/>
+            <a:ext cx="2751513" cy="822960"/>
+          </a:xfrm>
+          <a:prstGeom prst="wedgeRoundRectCallout">
+            <a:avLst>
+              <a:gd name="adj1" fmla="val 82282"/>
+              <a:gd name="adj2" fmla="val 93611"/>
+              <a:gd name="adj3" fmla="val 16667"/>
+            </a:avLst>
+          </a:prstGeom>
+          <a:noFill/>
+          <a:ln w="28575">
+            <a:solidFill>
+              <a:schemeClr val="tx1"/>
+            </a:solidFill>
+          </a:ln>
+        </p:spPr>
+        <p:style>
+          <a:lnRef idx="2">
+            <a:schemeClr val="accent1">
+              <a:shade val="50000"/>
+            </a:schemeClr>
+          </a:lnRef>
+          <a:fillRef idx="1">
+            <a:schemeClr val="accent1"/>
+          </a:fillRef>
+          <a:effectRef idx="0">
+            <a:schemeClr val="accent1"/>
+          </a:effectRef>
+          <a:fontRef idx="minor">
+            <a:schemeClr val="lt1"/>
+          </a:fontRef>
+        </p:style>
+        <p:txBody>
+          <a:bodyPr rtlCol="0" anchor="ctr"/>
+          <a:lstStyle/>
+          <a:p>
+            <a:pPr algn="ctr"/>
+            <a:r>
+              <a:rPr lang="en-US" altLang="ko-KR" sz="1400" b="1" dirty="0">
+                <a:solidFill>
+                  <a:schemeClr val="tx1"/>
+                </a:solidFill>
+              </a:rPr>
+              <a:t>??? </a:t>
+            </a:r>
+            <a:r>
+              <a:rPr lang="ko-KR" altLang="en-US" sz="1400" b="1" dirty="0" err="1">
+                <a:solidFill>
+                  <a:schemeClr val="tx1"/>
+                </a:solidFill>
+              </a:rPr>
+              <a:t>언리얼</a:t>
+            </a:r>
+            <a:r>
+              <a:rPr lang="ko-KR" altLang="en-US" sz="1400" b="1" dirty="0">
+                <a:solidFill>
+                  <a:schemeClr val="tx1"/>
+                </a:solidFill>
+              </a:rPr>
+              <a:t> 써봤네</a:t>
+            </a:r>
+            <a:r>
+              <a:rPr lang="en-US" altLang="ko-KR" sz="1400" b="1" dirty="0">
+                <a:solidFill>
+                  <a:schemeClr val="tx1"/>
+                </a:solidFill>
+              </a:rPr>
+              <a:t>?</a:t>
+            </a:r>
+          </a:p>
+          <a:p>
+            <a:pPr algn="ctr"/>
+            <a:r>
+              <a:rPr lang="ko-KR" altLang="en-US" sz="1400" b="1" u="sng" dirty="0">
+                <a:solidFill>
+                  <a:schemeClr val="tx1"/>
+                </a:solidFill>
+              </a:rPr>
+              <a:t>코드 기반</a:t>
+            </a:r>
+            <a:r>
+              <a:rPr lang="ko-KR" altLang="en-US" sz="1400" b="1" dirty="0">
+                <a:solidFill>
+                  <a:schemeClr val="tx1"/>
+                </a:solidFill>
+              </a:rPr>
+              <a:t>으로 제작했네</a:t>
+            </a:r>
+            <a:r>
+              <a:rPr lang="en-US" altLang="ko-KR" sz="1400" b="1" dirty="0">
+                <a:solidFill>
+                  <a:schemeClr val="tx1"/>
+                </a:solidFill>
+              </a:rPr>
+              <a:t>?</a:t>
+            </a:r>
+            <a:endParaRPr lang="ko-KR" altLang="en-US" sz="1400" b="1" dirty="0">
+              <a:solidFill>
+                <a:schemeClr val="tx1"/>
+              </a:solidFill>
+            </a:endParaRPr>
+          </a:p>
+        </p:txBody>
+      </p:sp>
+      <p:sp>
+        <p:nvSpPr>
+          <p:cNvPr id="22" name="TextBox 21">
+            <a:extLst>
+              <a:ext uri="{FF2B5EF4-FFF2-40B4-BE49-F238E27FC236}">
+                <a16:creationId xmlns:a16="http://schemas.microsoft.com/office/drawing/2014/main" id="{687FFAFF-BA8A-41CB-A23E-2D9713E0B88A}"/>
+              </a:ext>
+            </a:extLst>
+          </p:cNvPr>
+          <p:cNvSpPr txBox="1"/>
+          <p:nvPr/>
+        </p:nvSpPr>
+        <p:spPr>
+          <a:xfrm>
+            <a:off x="4701614" y="6298540"/>
+            <a:ext cx="3199107" cy="338554"/>
+          </a:xfrm>
+          <a:prstGeom prst="rect">
+            <a:avLst/>
+          </a:prstGeom>
+          <a:noFill/>
+        </p:spPr>
+        <p:txBody>
+          <a:bodyPr wrap="square" rtlCol="0">
+            <a:spAutoFit/>
+          </a:bodyPr>
+          <a:lstStyle/>
+          <a:p>
+            <a:pPr algn="ctr"/>
+            <a:r>
+              <a:rPr lang="en-US" altLang="ko-KR" sz="1600" b="1" dirty="0"/>
+              <a:t>(</a:t>
+            </a:r>
+            <a:r>
+              <a:rPr lang="ko-KR" altLang="en-US" sz="1600" b="1" dirty="0"/>
+              <a:t>대충 개발자 찾고 있던 회사</a:t>
+            </a:r>
+            <a:r>
+              <a:rPr lang="en-US" altLang="ko-KR" sz="1600" b="1" dirty="0"/>
+              <a:t>)</a:t>
+            </a:r>
+            <a:endParaRPr lang="ko-KR" altLang="en-US" sz="1600" b="1" dirty="0"/>
+          </a:p>
+        </p:txBody>
+      </p:sp>
+    </p:spTree>
+    <p:extLst>
+      <p:ext uri="{BB962C8B-B14F-4D97-AF65-F5344CB8AC3E}">
+        <p14:creationId xmlns:p14="http://schemas.microsoft.com/office/powerpoint/2010/main" val="992089339"/>
+      </p:ext>
+    </p:extLst>
+  </p:cSld>
+  <p:clrMapOvr>
+    <a:masterClrMapping/>
+  </p:clrMapOvr>
+</p:sld>
+</file>
+
+<file path=ppt/slides/slide12.xml><?xml version="1.0" encoding="utf-8"?>
+<p:sld xmlns:a="http://schemas.openxmlformats.org/drawingml/2006/main" xmlns:r="http://schemas.openxmlformats.org/officeDocument/2006/relationships" xmlns:p="http://schemas.openxmlformats.org/presentationml/2006/main">
+  <p:cSld>
+    <p:spTree>
+      <p:nvGrpSpPr>
+        <p:cNvPr id="1" name=""/>
+        <p:cNvGrpSpPr/>
+        <p:nvPr/>
+      </p:nvGrpSpPr>
+      <p:grpSpPr>
+        <a:xfrm>
+          <a:off x="0" y="0"/>
+          <a:ext cx="0" cy="0"/>
+          <a:chOff x="0" y="0"/>
+          <a:chExt cx="0" cy="0"/>
+        </a:xfrm>
+      </p:grpSpPr>
+      <p:sp>
+        <p:nvSpPr>
+          <p:cNvPr id="7" name="TextBox 6">
+            <a:extLst>
+              <a:ext uri="{FF2B5EF4-FFF2-40B4-BE49-F238E27FC236}">
+                <a16:creationId xmlns:a16="http://schemas.microsoft.com/office/drawing/2014/main" id="{2B3F0A72-007C-4270-BC77-9D68756360AF}"/>
+              </a:ext>
+            </a:extLst>
+          </p:cNvPr>
+          <p:cNvSpPr txBox="1"/>
+          <p:nvPr/>
+        </p:nvSpPr>
+        <p:spPr>
+          <a:xfrm>
+            <a:off x="480974" y="549135"/>
+            <a:ext cx="4786645" cy="584775"/>
+          </a:xfrm>
+          <a:prstGeom prst="rect">
+            <a:avLst/>
+          </a:prstGeom>
+          <a:noFill/>
+        </p:spPr>
+        <p:txBody>
+          <a:bodyPr wrap="square" rtlCol="0">
+            <a:spAutoFit/>
+          </a:bodyPr>
+          <a:lstStyle/>
+          <a:p>
+            <a:r>
+              <a:rPr lang="en-US" altLang="ko-KR" sz="3200" b="1" dirty="0"/>
+              <a:t>3. </a:t>
+            </a:r>
+            <a:r>
+              <a:rPr lang="ko-KR" altLang="en-US" sz="3200" b="1" dirty="0"/>
+              <a:t>취업 준비를 하면서 </a:t>
+            </a:r>
+            <a:endParaRPr lang="en-US" altLang="ko-KR" sz="3200" b="1" dirty="0"/>
+          </a:p>
+        </p:txBody>
+      </p:sp>
+      <p:cxnSp>
+        <p:nvCxnSpPr>
+          <p:cNvPr id="3" name="직선 연결선 2">
+            <a:extLst>
+              <a:ext uri="{FF2B5EF4-FFF2-40B4-BE49-F238E27FC236}">
+                <a16:creationId xmlns:a16="http://schemas.microsoft.com/office/drawing/2014/main" id="{10F91401-385C-4092-AFA8-029941955D03}"/>
+              </a:ext>
+            </a:extLst>
+          </p:cNvPr>
+          <p:cNvCxnSpPr>
+            <a:cxnSpLocks/>
+          </p:cNvCxnSpPr>
+          <p:nvPr/>
+        </p:nvCxnSpPr>
+        <p:spPr>
+          <a:xfrm>
+            <a:off x="578839" y="1133910"/>
+            <a:ext cx="10771466" cy="0"/>
+          </a:xfrm>
+          <a:prstGeom prst="line">
+            <a:avLst/>
+          </a:prstGeom>
+          <a:ln w="19050">
+            <a:solidFill>
+              <a:schemeClr val="tx1"/>
+            </a:solidFill>
+          </a:ln>
+        </p:spPr>
+        <p:style>
+          <a:lnRef idx="1">
+            <a:schemeClr val="accent1"/>
+          </a:lnRef>
+          <a:fillRef idx="0">
+            <a:schemeClr val="accent1"/>
+          </a:fillRef>
+          <a:effectRef idx="0">
+            <a:schemeClr val="accent1"/>
+          </a:effectRef>
+          <a:fontRef idx="minor">
+            <a:schemeClr val="tx1"/>
+          </a:fontRef>
+        </p:style>
+      </p:cxnSp>
+      <p:cxnSp>
+        <p:nvCxnSpPr>
+          <p:cNvPr id="14" name="직선 연결선 13">
+            <a:extLst>
+              <a:ext uri="{FF2B5EF4-FFF2-40B4-BE49-F238E27FC236}">
+                <a16:creationId xmlns:a16="http://schemas.microsoft.com/office/drawing/2014/main" id="{9D517302-2E49-4568-B86A-3D6953150155}"/>
+              </a:ext>
+            </a:extLst>
+          </p:cNvPr>
+          <p:cNvCxnSpPr/>
+          <p:nvPr/>
+        </p:nvCxnSpPr>
+        <p:spPr>
+          <a:xfrm>
+            <a:off x="578839" y="1133910"/>
+            <a:ext cx="10771466" cy="0"/>
+          </a:xfrm>
+          <a:prstGeom prst="line">
+            <a:avLst/>
+          </a:prstGeom>
+          <a:ln w="19050">
+            <a:solidFill>
+              <a:schemeClr val="tx1"/>
+            </a:solidFill>
+          </a:ln>
+        </p:spPr>
+        <p:style>
+          <a:lnRef idx="1">
+            <a:schemeClr val="accent1"/>
+          </a:lnRef>
+          <a:fillRef idx="0">
+            <a:schemeClr val="accent1"/>
+          </a:fillRef>
+          <a:effectRef idx="0">
+            <a:schemeClr val="accent1"/>
+          </a:effectRef>
+          <a:fontRef idx="minor">
+            <a:schemeClr val="tx1"/>
+          </a:fontRef>
+        </p:style>
+      </p:cxnSp>
+      <p:pic>
+        <p:nvPicPr>
+          <p:cNvPr id="12" name="그래픽 11" descr="사용자 윤곽선">
+            <a:extLst>
+              <a:ext uri="{FF2B5EF4-FFF2-40B4-BE49-F238E27FC236}">
+                <a16:creationId xmlns:a16="http://schemas.microsoft.com/office/drawing/2014/main" id="{D559A545-93D5-43ED-9412-4E797E7D5EC2}"/>
+              </a:ext>
+            </a:extLst>
+          </p:cNvPr>
+          <p:cNvPicPr>
+            <a:picLocks noChangeAspect="1"/>
+          </p:cNvPicPr>
+          <p:nvPr/>
+        </p:nvPicPr>
+        <p:blipFill>
+          <a:blip r:embed="rId2">
+            <a:extLst>
+              <a:ext uri="{28A0092B-C50C-407E-A947-70E740481C1C}">
+                <a14:useLocalDpi xmlns:a14="http://schemas.microsoft.com/office/drawing/2010/main" val="0"/>
+              </a:ext>
+              <a:ext uri="{96DAC541-7B7A-43D3-8B79-37D633B846F1}">
+                <asvg:svgBlip xmlns:asvg="http://schemas.microsoft.com/office/drawing/2016/SVG/main" r:embed="rId3"/>
+              </a:ext>
+            </a:extLst>
+          </a:blip>
+          <a:stretch>
+            <a:fillRect/>
+          </a:stretch>
+        </p:blipFill>
+        <p:spPr>
+          <a:xfrm>
+            <a:off x="710919" y="1346200"/>
+            <a:ext cx="914400" cy="914400"/>
+          </a:xfrm>
+          <a:prstGeom prst="rect">
+            <a:avLst/>
+          </a:prstGeom>
+        </p:spPr>
+      </p:pic>
+      <p:sp>
+        <p:nvSpPr>
+          <p:cNvPr id="17" name="TextBox 16">
+            <a:extLst>
+              <a:ext uri="{FF2B5EF4-FFF2-40B4-BE49-F238E27FC236}">
+                <a16:creationId xmlns:a16="http://schemas.microsoft.com/office/drawing/2014/main" id="{AB6F2FD9-AF9E-4D02-BDCD-84CDA9E1CAD7}"/>
+              </a:ext>
+            </a:extLst>
+          </p:cNvPr>
+          <p:cNvSpPr txBox="1"/>
+          <p:nvPr/>
+        </p:nvSpPr>
+        <p:spPr>
+          <a:xfrm>
+            <a:off x="935362" y="1891268"/>
+            <a:ext cx="465513" cy="369332"/>
+          </a:xfrm>
+          <a:prstGeom prst="rect">
+            <a:avLst/>
+          </a:prstGeom>
+          <a:noFill/>
+        </p:spPr>
+        <p:txBody>
+          <a:bodyPr wrap="square" rtlCol="0">
+            <a:spAutoFit/>
+          </a:bodyPr>
+          <a:lstStyle/>
+          <a:p>
+            <a:pPr algn="ctr"/>
+            <a:r>
+              <a:rPr lang="ko-KR" altLang="en-US" dirty="0"/>
+              <a:t>나</a:t>
+            </a:r>
+          </a:p>
+        </p:txBody>
+      </p:sp>
+      <p:sp>
+        <p:nvSpPr>
+          <p:cNvPr id="2" name="양쪽 대괄호 1">
+            <a:extLst>
+              <a:ext uri="{FF2B5EF4-FFF2-40B4-BE49-F238E27FC236}">
+                <a16:creationId xmlns:a16="http://schemas.microsoft.com/office/drawing/2014/main" id="{EE46EF23-BFDE-458D-B3A4-479781DDB625}"/>
+              </a:ext>
+            </a:extLst>
+          </p:cNvPr>
+          <p:cNvSpPr/>
+          <p:nvPr/>
+        </p:nvSpPr>
+        <p:spPr>
+          <a:xfrm>
+            <a:off x="922944" y="3046729"/>
+            <a:ext cx="2458720" cy="1534159"/>
+          </a:xfrm>
+          <a:prstGeom prst="bracketPair">
+            <a:avLst/>
+          </a:prstGeom>
+          <a:ln w="38100">
+            <a:solidFill>
+              <a:schemeClr val="tx1"/>
+            </a:solidFill>
+          </a:ln>
+        </p:spPr>
+        <p:style>
+          <a:lnRef idx="1">
+            <a:schemeClr val="accent1"/>
+          </a:lnRef>
+          <a:fillRef idx="0">
+            <a:schemeClr val="accent1"/>
+          </a:fillRef>
+          <a:effectRef idx="0">
+            <a:schemeClr val="accent1"/>
+          </a:effectRef>
+          <a:fontRef idx="minor">
+            <a:schemeClr val="tx1"/>
+          </a:fontRef>
+        </p:style>
+        <p:txBody>
+          <a:bodyPr rtlCol="0" anchor="ctr"/>
+          <a:lstStyle/>
+          <a:p>
+            <a:pPr algn="ctr"/>
+            <a:endParaRPr lang="ko-KR" altLang="en-US"/>
+          </a:p>
+        </p:txBody>
+      </p:sp>
+      <p:cxnSp>
+        <p:nvCxnSpPr>
+          <p:cNvPr id="8" name="직선 연결선 7">
+            <a:extLst>
+              <a:ext uri="{FF2B5EF4-FFF2-40B4-BE49-F238E27FC236}">
+                <a16:creationId xmlns:a16="http://schemas.microsoft.com/office/drawing/2014/main" id="{24CE1F86-F295-41C6-BD83-C620BC93C3AF}"/>
+              </a:ext>
+            </a:extLst>
+          </p:cNvPr>
+          <p:cNvCxnSpPr>
+            <a:cxnSpLocks/>
+          </p:cNvCxnSpPr>
+          <p:nvPr/>
+        </p:nvCxnSpPr>
+        <p:spPr>
+          <a:xfrm flipV="1">
+            <a:off x="1166784" y="2724148"/>
+            <a:ext cx="0" cy="322580"/>
+          </a:xfrm>
+          <a:prstGeom prst="line">
+            <a:avLst/>
+          </a:prstGeom>
+          <a:ln w="38100">
+            <a:solidFill>
+              <a:schemeClr val="tx1"/>
+            </a:solidFill>
+          </a:ln>
+        </p:spPr>
+        <p:style>
+          <a:lnRef idx="1">
+            <a:schemeClr val="accent1"/>
+          </a:lnRef>
+          <a:fillRef idx="0">
+            <a:schemeClr val="accent1"/>
+          </a:fillRef>
+          <a:effectRef idx="0">
+            <a:schemeClr val="accent1"/>
+          </a:effectRef>
+          <a:fontRef idx="minor">
+            <a:schemeClr val="tx1"/>
+          </a:fontRef>
+        </p:style>
+      </p:cxnSp>
+      <p:cxnSp>
+        <p:nvCxnSpPr>
+          <p:cNvPr id="18" name="직선 연결선 17">
+            <a:extLst>
+              <a:ext uri="{FF2B5EF4-FFF2-40B4-BE49-F238E27FC236}">
+                <a16:creationId xmlns:a16="http://schemas.microsoft.com/office/drawing/2014/main" id="{A47EE791-28FF-4E22-9F87-3E6CF781977A}"/>
+              </a:ext>
+            </a:extLst>
+          </p:cNvPr>
+          <p:cNvCxnSpPr>
+            <a:cxnSpLocks/>
+          </p:cNvCxnSpPr>
+          <p:nvPr/>
+        </p:nvCxnSpPr>
+        <p:spPr>
+          <a:xfrm flipV="1">
+            <a:off x="1705264" y="2724149"/>
+            <a:ext cx="0" cy="322580"/>
+          </a:xfrm>
+          <a:prstGeom prst="line">
+            <a:avLst/>
+          </a:prstGeom>
+          <a:ln w="38100">
+            <a:solidFill>
+              <a:schemeClr val="tx1"/>
+            </a:solidFill>
+          </a:ln>
+        </p:spPr>
+        <p:style>
+          <a:lnRef idx="1">
+            <a:schemeClr val="accent1"/>
+          </a:lnRef>
+          <a:fillRef idx="0">
+            <a:schemeClr val="accent1"/>
+          </a:fillRef>
+          <a:effectRef idx="0">
+            <a:schemeClr val="accent1"/>
+          </a:effectRef>
+          <a:fontRef idx="minor">
+            <a:schemeClr val="tx1"/>
+          </a:fontRef>
+        </p:style>
+      </p:cxnSp>
+      <p:cxnSp>
+        <p:nvCxnSpPr>
+          <p:cNvPr id="23" name="직선 연결선 22">
+            <a:extLst>
+              <a:ext uri="{FF2B5EF4-FFF2-40B4-BE49-F238E27FC236}">
+                <a16:creationId xmlns:a16="http://schemas.microsoft.com/office/drawing/2014/main" id="{4FC40B7A-A332-43B8-A290-765B3D3C28AF}"/>
+              </a:ext>
+            </a:extLst>
+          </p:cNvPr>
+          <p:cNvCxnSpPr>
+            <a:cxnSpLocks/>
+          </p:cNvCxnSpPr>
+          <p:nvPr/>
+        </p:nvCxnSpPr>
+        <p:spPr>
+          <a:xfrm>
+            <a:off x="1684944" y="3046728"/>
+            <a:ext cx="1463040" cy="0"/>
+          </a:xfrm>
+          <a:prstGeom prst="line">
+            <a:avLst/>
+          </a:prstGeom>
+          <a:ln w="38100">
+            <a:solidFill>
+              <a:schemeClr val="tx1"/>
+            </a:solidFill>
+          </a:ln>
+        </p:spPr>
+        <p:style>
+          <a:lnRef idx="1">
+            <a:schemeClr val="accent1"/>
+          </a:lnRef>
+          <a:fillRef idx="0">
+            <a:schemeClr val="accent1"/>
+          </a:fillRef>
+          <a:effectRef idx="0">
+            <a:schemeClr val="accent1"/>
+          </a:effectRef>
+          <a:fontRef idx="minor">
+            <a:schemeClr val="tx1"/>
+          </a:fontRef>
+        </p:style>
+      </p:cxnSp>
+      <p:cxnSp>
+        <p:nvCxnSpPr>
+          <p:cNvPr id="25" name="직선 연결선 24">
+            <a:extLst>
+              <a:ext uri="{FF2B5EF4-FFF2-40B4-BE49-F238E27FC236}">
+                <a16:creationId xmlns:a16="http://schemas.microsoft.com/office/drawing/2014/main" id="{7BBBD73D-FA16-4E9E-A0E0-EB5E5A41BD77}"/>
+              </a:ext>
+            </a:extLst>
+          </p:cNvPr>
+          <p:cNvCxnSpPr>
+            <a:cxnSpLocks/>
+          </p:cNvCxnSpPr>
+          <p:nvPr/>
+        </p:nvCxnSpPr>
+        <p:spPr>
+          <a:xfrm>
+            <a:off x="1156624" y="4580888"/>
+            <a:ext cx="1463040" cy="0"/>
+          </a:xfrm>
+          <a:prstGeom prst="line">
+            <a:avLst/>
+          </a:prstGeom>
+          <a:ln w="38100">
+            <a:solidFill>
+              <a:schemeClr val="tx1"/>
+            </a:solidFill>
+          </a:ln>
+        </p:spPr>
+        <p:style>
+          <a:lnRef idx="1">
+            <a:schemeClr val="accent1"/>
+          </a:lnRef>
+          <a:fillRef idx="0">
+            <a:schemeClr val="accent1"/>
+          </a:fillRef>
+          <a:effectRef idx="0">
+            <a:schemeClr val="accent1"/>
+          </a:effectRef>
+          <a:fontRef idx="minor">
+            <a:schemeClr val="tx1"/>
+          </a:fontRef>
+        </p:style>
+      </p:cxnSp>
+      <p:cxnSp>
+        <p:nvCxnSpPr>
+          <p:cNvPr id="26" name="직선 연결선 25">
+            <a:extLst>
+              <a:ext uri="{FF2B5EF4-FFF2-40B4-BE49-F238E27FC236}">
+                <a16:creationId xmlns:a16="http://schemas.microsoft.com/office/drawing/2014/main" id="{8AE92FD1-4933-4AAF-8175-A0C212A8C869}"/>
+              </a:ext>
+            </a:extLst>
+          </p:cNvPr>
+          <p:cNvCxnSpPr>
+            <a:cxnSpLocks/>
+          </p:cNvCxnSpPr>
+          <p:nvPr/>
+        </p:nvCxnSpPr>
+        <p:spPr>
+          <a:xfrm flipV="1">
+            <a:off x="3147984" y="4580888"/>
+            <a:ext cx="0" cy="322580"/>
+          </a:xfrm>
+          <a:prstGeom prst="line">
+            <a:avLst/>
+          </a:prstGeom>
+          <a:ln w="38100">
+            <a:solidFill>
+              <a:schemeClr val="tx1"/>
+            </a:solidFill>
+          </a:ln>
+        </p:spPr>
+        <p:style>
+          <a:lnRef idx="1">
+            <a:schemeClr val="accent1"/>
+          </a:lnRef>
+          <a:fillRef idx="0">
+            <a:schemeClr val="accent1"/>
+          </a:fillRef>
+          <a:effectRef idx="0">
+            <a:schemeClr val="accent1"/>
+          </a:effectRef>
+          <a:fontRef idx="minor">
+            <a:schemeClr val="tx1"/>
+          </a:fontRef>
+        </p:style>
+      </p:cxnSp>
+      <p:cxnSp>
+        <p:nvCxnSpPr>
+          <p:cNvPr id="27" name="직선 연결선 26">
+            <a:extLst>
+              <a:ext uri="{FF2B5EF4-FFF2-40B4-BE49-F238E27FC236}">
+                <a16:creationId xmlns:a16="http://schemas.microsoft.com/office/drawing/2014/main" id="{B5295B9A-277C-4079-8853-8265F4C92FF3}"/>
+              </a:ext>
+            </a:extLst>
+          </p:cNvPr>
+          <p:cNvCxnSpPr>
+            <a:cxnSpLocks/>
+          </p:cNvCxnSpPr>
+          <p:nvPr/>
+        </p:nvCxnSpPr>
+        <p:spPr>
+          <a:xfrm flipV="1">
+            <a:off x="2609504" y="4570728"/>
+            <a:ext cx="0" cy="322580"/>
+          </a:xfrm>
+          <a:prstGeom prst="line">
+            <a:avLst/>
+          </a:prstGeom>
+          <a:ln w="38100">
+            <a:solidFill>
+              <a:schemeClr val="tx1"/>
+            </a:solidFill>
+          </a:ln>
+        </p:spPr>
+        <p:style>
+          <a:lnRef idx="1">
+            <a:schemeClr val="accent1"/>
+          </a:lnRef>
+          <a:fillRef idx="0">
+            <a:schemeClr val="accent1"/>
+          </a:fillRef>
+          <a:effectRef idx="0">
+            <a:schemeClr val="accent1"/>
+          </a:effectRef>
+          <a:fontRef idx="minor">
+            <a:schemeClr val="tx1"/>
+          </a:fontRef>
+        </p:style>
+      </p:cxnSp>
+      <p:sp>
+        <p:nvSpPr>
+          <p:cNvPr id="28" name="화살표: 위쪽 27">
+            <a:extLst>
+              <a:ext uri="{FF2B5EF4-FFF2-40B4-BE49-F238E27FC236}">
+                <a16:creationId xmlns:a16="http://schemas.microsoft.com/office/drawing/2014/main" id="{534B33A2-33E2-403A-BA97-CF7BD443271F}"/>
+              </a:ext>
+            </a:extLst>
+          </p:cNvPr>
+          <p:cNvSpPr/>
+          <p:nvPr/>
+        </p:nvSpPr>
+        <p:spPr>
+          <a:xfrm rot="10800000">
+            <a:off x="1324266" y="2322828"/>
+            <a:ext cx="203197" cy="802640"/>
+          </a:xfrm>
+          <a:prstGeom prst="upArrow">
+            <a:avLst/>
+          </a:prstGeom>
+          <a:solidFill>
+            <a:schemeClr val="tx1"/>
+          </a:solidFill>
+          <a:ln>
+            <a:solidFill>
+              <a:schemeClr val="tx1"/>
+            </a:solidFill>
+          </a:ln>
+        </p:spPr>
+        <p:style>
+          <a:lnRef idx="2">
+            <a:schemeClr val="accent1">
+              <a:shade val="50000"/>
+            </a:schemeClr>
+          </a:lnRef>
+          <a:fillRef idx="1">
+            <a:schemeClr val="accent1"/>
+          </a:fillRef>
+          <a:effectRef idx="0">
+            <a:schemeClr val="accent1"/>
+          </a:effectRef>
+          <a:fontRef idx="minor">
+            <a:schemeClr val="lt1"/>
+          </a:fontRef>
+        </p:style>
+        <p:txBody>
+          <a:bodyPr rtlCol="0" anchor="ctr"/>
+          <a:lstStyle/>
+          <a:p>
+            <a:pPr algn="ctr"/>
+            <a:endParaRPr lang="ko-KR" altLang="en-US"/>
+          </a:p>
+        </p:txBody>
+      </p:sp>
+      <p:sp>
+        <p:nvSpPr>
+          <p:cNvPr id="29" name="화살표: 위쪽 28">
+            <a:extLst>
+              <a:ext uri="{FF2B5EF4-FFF2-40B4-BE49-F238E27FC236}">
+                <a16:creationId xmlns:a16="http://schemas.microsoft.com/office/drawing/2014/main" id="{4C12B7D0-2927-499F-9226-EAF49F608CB2}"/>
+              </a:ext>
+            </a:extLst>
+          </p:cNvPr>
+          <p:cNvSpPr/>
+          <p:nvPr/>
+        </p:nvSpPr>
+        <p:spPr>
+          <a:xfrm rot="10800000">
+            <a:off x="2766986" y="4589977"/>
+            <a:ext cx="203197" cy="802640"/>
+          </a:xfrm>
+          <a:prstGeom prst="upArrow">
+            <a:avLst/>
+          </a:prstGeom>
+          <a:solidFill>
+            <a:schemeClr val="tx1"/>
+          </a:solidFill>
+          <a:ln>
+            <a:solidFill>
+              <a:schemeClr val="tx1"/>
+            </a:solidFill>
+          </a:ln>
+        </p:spPr>
+        <p:style>
+          <a:lnRef idx="2">
+            <a:schemeClr val="accent1">
+              <a:shade val="50000"/>
+            </a:schemeClr>
+          </a:lnRef>
+          <a:fillRef idx="1">
+            <a:schemeClr val="accent1"/>
+          </a:fillRef>
+          <a:effectRef idx="0">
+            <a:schemeClr val="accent1"/>
+          </a:effectRef>
+          <a:fontRef idx="minor">
+            <a:schemeClr val="lt1"/>
+          </a:fontRef>
+        </p:style>
+        <p:txBody>
+          <a:bodyPr rtlCol="0" anchor="ctr"/>
+          <a:lstStyle/>
+          <a:p>
+            <a:pPr algn="ctr"/>
+            <a:endParaRPr lang="ko-KR" altLang="en-US"/>
+          </a:p>
+        </p:txBody>
+      </p:sp>
+      <p:sp>
+        <p:nvSpPr>
+          <p:cNvPr id="30" name="TextBox 29">
+            <a:extLst>
+              <a:ext uri="{FF2B5EF4-FFF2-40B4-BE49-F238E27FC236}">
+                <a16:creationId xmlns:a16="http://schemas.microsoft.com/office/drawing/2014/main" id="{B9E62778-5D6F-4409-9B85-918F32240F11}"/>
+              </a:ext>
+            </a:extLst>
+          </p:cNvPr>
+          <p:cNvSpPr txBox="1"/>
+          <p:nvPr/>
+        </p:nvSpPr>
+        <p:spPr>
+          <a:xfrm>
+            <a:off x="1565563" y="1845548"/>
+            <a:ext cx="3848101" cy="369332"/>
+          </a:xfrm>
+          <a:prstGeom prst="rect">
+            <a:avLst/>
+          </a:prstGeom>
+          <a:noFill/>
+        </p:spPr>
+        <p:txBody>
+          <a:bodyPr wrap="square" rtlCol="0">
+            <a:spAutoFit/>
+          </a:bodyPr>
+          <a:lstStyle/>
+          <a:p>
+            <a:r>
+              <a:rPr lang="en-US" altLang="ko-KR" dirty="0"/>
+              <a:t>Input:</a:t>
+            </a:r>
+            <a:r>
+              <a:rPr lang="ko-KR" altLang="en-US" dirty="0"/>
+              <a:t> 내가 배운</a:t>
+            </a:r>
+            <a:r>
+              <a:rPr lang="en-US" altLang="ko-KR" dirty="0"/>
+              <a:t>/</a:t>
+            </a:r>
+            <a:r>
+              <a:rPr lang="ko-KR" altLang="en-US" dirty="0"/>
+              <a:t>경험한 과목의 수</a:t>
+            </a:r>
+          </a:p>
+        </p:txBody>
+      </p:sp>
+      <p:sp>
+        <p:nvSpPr>
+          <p:cNvPr id="31" name="TextBox 30">
+            <a:extLst>
+              <a:ext uri="{FF2B5EF4-FFF2-40B4-BE49-F238E27FC236}">
+                <a16:creationId xmlns:a16="http://schemas.microsoft.com/office/drawing/2014/main" id="{E03E479B-FFDA-4E19-8C59-A9CD2A4F77BB}"/>
+              </a:ext>
+            </a:extLst>
+          </p:cNvPr>
+          <p:cNvSpPr txBox="1"/>
+          <p:nvPr/>
+        </p:nvSpPr>
+        <p:spPr>
+          <a:xfrm>
+            <a:off x="2619664" y="5507673"/>
+            <a:ext cx="3848101" cy="369332"/>
+          </a:xfrm>
+          <a:prstGeom prst="rect">
+            <a:avLst/>
+          </a:prstGeom>
+          <a:noFill/>
+        </p:spPr>
+        <p:txBody>
+          <a:bodyPr wrap="square" rtlCol="0">
+            <a:spAutoFit/>
+          </a:bodyPr>
+          <a:lstStyle/>
+          <a:p>
+            <a:r>
+              <a:rPr lang="en-US" altLang="ko-KR" dirty="0"/>
+              <a:t>Output: </a:t>
+            </a:r>
+            <a:r>
+              <a:rPr lang="ko-KR" altLang="en-US" dirty="0"/>
+              <a:t>지원할 수 있는 기업의 수</a:t>
+            </a:r>
+          </a:p>
+        </p:txBody>
+      </p:sp>
+      <p:sp>
+        <p:nvSpPr>
+          <p:cNvPr id="39" name="TextBox 38">
+            <a:extLst>
+              <a:ext uri="{FF2B5EF4-FFF2-40B4-BE49-F238E27FC236}">
+                <a16:creationId xmlns:a16="http://schemas.microsoft.com/office/drawing/2014/main" id="{4D9B7B0D-D543-4ACF-983D-7640E653B848}"/>
+              </a:ext>
+            </a:extLst>
+          </p:cNvPr>
+          <p:cNvSpPr txBox="1"/>
+          <p:nvPr/>
+        </p:nvSpPr>
+        <p:spPr>
+          <a:xfrm>
+            <a:off x="6475718" y="2551352"/>
+            <a:ext cx="960116" cy="276999"/>
+          </a:xfrm>
+          <a:prstGeom prst="rect">
+            <a:avLst/>
+          </a:prstGeom>
+          <a:noFill/>
+        </p:spPr>
+        <p:txBody>
+          <a:bodyPr wrap="square">
+            <a:spAutoFit/>
+          </a:bodyPr>
+          <a:lstStyle/>
+          <a:p>
+            <a:r>
+              <a:rPr lang="ko-KR" altLang="en-US" sz="1200" b="1" dirty="0"/>
+              <a:t>기업 수</a:t>
+            </a:r>
+          </a:p>
+        </p:txBody>
+      </p:sp>
+      <p:cxnSp>
+        <p:nvCxnSpPr>
+          <p:cNvPr id="41" name="직선 화살표 연결선 40">
+            <a:extLst>
+              <a:ext uri="{FF2B5EF4-FFF2-40B4-BE49-F238E27FC236}">
+                <a16:creationId xmlns:a16="http://schemas.microsoft.com/office/drawing/2014/main" id="{4A62D1A4-16E7-47F8-A8B0-CD61ABCED040}"/>
+              </a:ext>
+            </a:extLst>
+          </p:cNvPr>
+          <p:cNvCxnSpPr/>
+          <p:nvPr/>
+        </p:nvCxnSpPr>
+        <p:spPr>
+          <a:xfrm flipV="1">
+            <a:off x="7435834" y="2505186"/>
+            <a:ext cx="0" cy="2961083"/>
+          </a:xfrm>
+          <a:prstGeom prst="straightConnector1">
+            <a:avLst/>
+          </a:prstGeom>
+          <a:ln w="38100">
+            <a:solidFill>
+              <a:schemeClr val="tx1"/>
+            </a:solidFill>
+            <a:tailEnd type="triangle"/>
+          </a:ln>
+        </p:spPr>
+        <p:style>
+          <a:lnRef idx="1">
+            <a:schemeClr val="accent1"/>
+          </a:lnRef>
+          <a:fillRef idx="0">
+            <a:schemeClr val="accent1"/>
+          </a:fillRef>
+          <a:effectRef idx="0">
+            <a:schemeClr val="accent1"/>
+          </a:effectRef>
+          <a:fontRef idx="minor">
+            <a:schemeClr val="tx1"/>
+          </a:fontRef>
+        </p:style>
+      </p:cxnSp>
+      <p:cxnSp>
+        <p:nvCxnSpPr>
+          <p:cNvPr id="42" name="직선 화살표 연결선 41">
+            <a:extLst>
+              <a:ext uri="{FF2B5EF4-FFF2-40B4-BE49-F238E27FC236}">
+                <a16:creationId xmlns:a16="http://schemas.microsoft.com/office/drawing/2014/main" id="{412288E6-E8D0-4794-8F1A-69003EA0DFCF}"/>
+              </a:ext>
+            </a:extLst>
+          </p:cNvPr>
+          <p:cNvCxnSpPr>
+            <a:cxnSpLocks/>
+          </p:cNvCxnSpPr>
+          <p:nvPr/>
+        </p:nvCxnSpPr>
+        <p:spPr>
+          <a:xfrm flipV="1">
+            <a:off x="7415514" y="5456110"/>
+            <a:ext cx="2865120" cy="1"/>
+          </a:xfrm>
+          <a:prstGeom prst="straightConnector1">
+            <a:avLst/>
+          </a:prstGeom>
+          <a:ln w="38100">
+            <a:solidFill>
+              <a:schemeClr val="tx1"/>
+            </a:solidFill>
+            <a:tailEnd type="triangle"/>
+          </a:ln>
+        </p:spPr>
+        <p:style>
+          <a:lnRef idx="1">
+            <a:schemeClr val="accent1"/>
+          </a:lnRef>
+          <a:fillRef idx="0">
+            <a:schemeClr val="accent1"/>
+          </a:fillRef>
+          <a:effectRef idx="0">
+            <a:schemeClr val="accent1"/>
+          </a:effectRef>
+          <a:fontRef idx="minor">
+            <a:schemeClr val="tx1"/>
+          </a:fontRef>
+        </p:style>
+      </p:cxnSp>
+      <p:sp>
+        <p:nvSpPr>
+          <p:cNvPr id="44" name="TextBox 43">
+            <a:extLst>
+              <a:ext uri="{FF2B5EF4-FFF2-40B4-BE49-F238E27FC236}">
+                <a16:creationId xmlns:a16="http://schemas.microsoft.com/office/drawing/2014/main" id="{449F58DA-F74D-4545-AE8B-3D25ABEC76C1}"/>
+              </a:ext>
+            </a:extLst>
+          </p:cNvPr>
+          <p:cNvSpPr txBox="1"/>
+          <p:nvPr/>
+        </p:nvSpPr>
+        <p:spPr>
+          <a:xfrm>
+            <a:off x="9208754" y="5585590"/>
+            <a:ext cx="2509519" cy="276999"/>
+          </a:xfrm>
+          <a:prstGeom prst="rect">
+            <a:avLst/>
+          </a:prstGeom>
+          <a:noFill/>
+        </p:spPr>
+        <p:txBody>
+          <a:bodyPr wrap="square">
+            <a:spAutoFit/>
+          </a:bodyPr>
+          <a:lstStyle/>
+          <a:p>
+            <a:r>
+              <a:rPr lang="ko-KR" altLang="en-US" sz="1200" b="1" dirty="0"/>
+              <a:t>배운</a:t>
+            </a:r>
+            <a:r>
+              <a:rPr lang="en-US" altLang="ko-KR" sz="1200" b="1" dirty="0"/>
+              <a:t>/ </a:t>
+            </a:r>
+            <a:r>
+              <a:rPr lang="ko-KR" altLang="en-US" sz="1200" b="1" dirty="0"/>
+              <a:t>경험한 과목의 수</a:t>
+            </a:r>
+          </a:p>
+        </p:txBody>
+      </p:sp>
+      <p:sp>
+        <p:nvSpPr>
+          <p:cNvPr id="45" name="원호 44">
+            <a:extLst>
+              <a:ext uri="{FF2B5EF4-FFF2-40B4-BE49-F238E27FC236}">
+                <a16:creationId xmlns:a16="http://schemas.microsoft.com/office/drawing/2014/main" id="{608C4895-B138-4E7E-99E5-23A8A26BE91C}"/>
+              </a:ext>
+            </a:extLst>
+          </p:cNvPr>
+          <p:cNvSpPr/>
+          <p:nvPr/>
+        </p:nvSpPr>
+        <p:spPr>
+          <a:xfrm rot="5400000">
+            <a:off x="4811631" y="886989"/>
+            <a:ext cx="5225548" cy="3848100"/>
+          </a:xfrm>
+          <a:prstGeom prst="arc">
+            <a:avLst/>
+          </a:prstGeom>
+          <a:noFill/>
+          <a:ln w="19050">
+            <a:solidFill>
+              <a:schemeClr val="tx1"/>
+            </a:solidFill>
+          </a:ln>
+        </p:spPr>
+        <p:style>
+          <a:lnRef idx="1">
+            <a:schemeClr val="accent1"/>
+          </a:lnRef>
+          <a:fillRef idx="0">
+            <a:schemeClr val="accent1"/>
+          </a:fillRef>
+          <a:effectRef idx="0">
+            <a:schemeClr val="accent1"/>
+          </a:effectRef>
+          <a:fontRef idx="minor">
+            <a:schemeClr val="tx1"/>
+          </a:fontRef>
+        </p:style>
+        <p:txBody>
+          <a:bodyPr rtlCol="0" anchor="ctr"/>
+          <a:lstStyle/>
+          <a:p>
+            <a:pPr algn="ctr"/>
+            <a:endParaRPr lang="ko-KR" altLang="en-US"/>
+          </a:p>
+        </p:txBody>
+      </p:sp>
+    </p:spTree>
+    <p:extLst>
+      <p:ext uri="{BB962C8B-B14F-4D97-AF65-F5344CB8AC3E}">
+        <p14:creationId xmlns:p14="http://schemas.microsoft.com/office/powerpoint/2010/main" val="3618567479"/>
+      </p:ext>
+    </p:extLst>
+  </p:cSld>
+  <p:clrMapOvr>
+    <a:masterClrMapping/>
+  </p:clrMapOvr>
+</p:sld>
+</file>
+
+<file path=ppt/slides/slide13.xml><?xml version="1.0" encoding="utf-8"?>
+<p:sld xmlns:a="http://schemas.openxmlformats.org/drawingml/2006/main" xmlns:r="http://schemas.openxmlformats.org/officeDocument/2006/relationships" xmlns:p="http://schemas.openxmlformats.org/presentationml/2006/main">
+  <p:cSld>
+    <p:spTree>
+      <p:nvGrpSpPr>
+        <p:cNvPr id="1" name=""/>
+        <p:cNvGrpSpPr/>
+        <p:nvPr/>
+      </p:nvGrpSpPr>
+      <p:grpSpPr>
+        <a:xfrm>
+          <a:off x="0" y="0"/>
+          <a:ext cx="0" cy="0"/>
+          <a:chOff x="0" y="0"/>
+          <a:chExt cx="0" cy="0"/>
+        </a:xfrm>
+      </p:grpSpPr>
+      <p:sp>
+        <p:nvSpPr>
+          <p:cNvPr id="7" name="TextBox 6">
+            <a:extLst>
+              <a:ext uri="{FF2B5EF4-FFF2-40B4-BE49-F238E27FC236}">
+                <a16:creationId xmlns:a16="http://schemas.microsoft.com/office/drawing/2014/main" id="{2B3F0A72-007C-4270-BC77-9D68756360AF}"/>
+              </a:ext>
+            </a:extLst>
+          </p:cNvPr>
+          <p:cNvSpPr txBox="1"/>
+          <p:nvPr/>
+        </p:nvSpPr>
+        <p:spPr>
+          <a:xfrm>
+            <a:off x="480974" y="549135"/>
+            <a:ext cx="4786645" cy="584775"/>
+          </a:xfrm>
+          <a:prstGeom prst="rect">
+            <a:avLst/>
+          </a:prstGeom>
+          <a:noFill/>
+        </p:spPr>
+        <p:txBody>
+          <a:bodyPr wrap="square" rtlCol="0">
+            <a:spAutoFit/>
+          </a:bodyPr>
+          <a:lstStyle/>
+          <a:p>
+            <a:r>
+              <a:rPr lang="en-US" altLang="ko-KR" sz="3200" b="1" dirty="0"/>
+              <a:t>3. </a:t>
+            </a:r>
+            <a:r>
+              <a:rPr lang="ko-KR" altLang="en-US" sz="3200" b="1" dirty="0"/>
+              <a:t>취업 준비를 하면서 </a:t>
+            </a:r>
+            <a:endParaRPr lang="en-US" altLang="ko-KR" sz="3200" b="1" dirty="0"/>
+          </a:p>
+        </p:txBody>
+      </p:sp>
+      <p:cxnSp>
+        <p:nvCxnSpPr>
+          <p:cNvPr id="3" name="직선 연결선 2">
+            <a:extLst>
+              <a:ext uri="{FF2B5EF4-FFF2-40B4-BE49-F238E27FC236}">
+                <a16:creationId xmlns:a16="http://schemas.microsoft.com/office/drawing/2014/main" id="{10F91401-385C-4092-AFA8-029941955D03}"/>
+              </a:ext>
+            </a:extLst>
+          </p:cNvPr>
+          <p:cNvCxnSpPr>
+            <a:cxnSpLocks/>
+          </p:cNvCxnSpPr>
+          <p:nvPr/>
+        </p:nvCxnSpPr>
+        <p:spPr>
+          <a:xfrm>
+            <a:off x="578839" y="1133910"/>
+            <a:ext cx="10771466" cy="0"/>
+          </a:xfrm>
+          <a:prstGeom prst="line">
+            <a:avLst/>
+          </a:prstGeom>
+          <a:ln w="19050">
+            <a:solidFill>
+              <a:schemeClr val="tx1"/>
+            </a:solidFill>
+          </a:ln>
+        </p:spPr>
+        <p:style>
+          <a:lnRef idx="1">
+            <a:schemeClr val="accent1"/>
+          </a:lnRef>
+          <a:fillRef idx="0">
+            <a:schemeClr val="accent1"/>
+          </a:fillRef>
+          <a:effectRef idx="0">
+            <a:schemeClr val="accent1"/>
+          </a:effectRef>
+          <a:fontRef idx="minor">
+            <a:schemeClr val="tx1"/>
+          </a:fontRef>
+        </p:style>
+      </p:cxnSp>
+      <p:cxnSp>
+        <p:nvCxnSpPr>
+          <p:cNvPr id="14" name="직선 연결선 13">
+            <a:extLst>
+              <a:ext uri="{FF2B5EF4-FFF2-40B4-BE49-F238E27FC236}">
+                <a16:creationId xmlns:a16="http://schemas.microsoft.com/office/drawing/2014/main" id="{9D517302-2E49-4568-B86A-3D6953150155}"/>
+              </a:ext>
+            </a:extLst>
+          </p:cNvPr>
+          <p:cNvCxnSpPr/>
+          <p:nvPr/>
+        </p:nvCxnSpPr>
+        <p:spPr>
+          <a:xfrm>
+            <a:off x="578839" y="1133910"/>
+            <a:ext cx="10771466" cy="0"/>
+          </a:xfrm>
+          <a:prstGeom prst="line">
+            <a:avLst/>
+          </a:prstGeom>
+          <a:ln w="19050">
+            <a:solidFill>
+              <a:schemeClr val="tx1"/>
+            </a:solidFill>
+          </a:ln>
+        </p:spPr>
+        <p:style>
+          <a:lnRef idx="1">
+            <a:schemeClr val="accent1"/>
+          </a:lnRef>
+          <a:fillRef idx="0">
+            <a:schemeClr val="accent1"/>
+          </a:fillRef>
+          <a:effectRef idx="0">
+            <a:schemeClr val="accent1"/>
+          </a:effectRef>
+          <a:fontRef idx="minor">
+            <a:schemeClr val="tx1"/>
+          </a:fontRef>
+        </p:style>
+      </p:cxnSp>
+      <p:pic>
+        <p:nvPicPr>
+          <p:cNvPr id="12" name="그래픽 11" descr="사용자 윤곽선">
+            <a:extLst>
+              <a:ext uri="{FF2B5EF4-FFF2-40B4-BE49-F238E27FC236}">
+                <a16:creationId xmlns:a16="http://schemas.microsoft.com/office/drawing/2014/main" id="{D559A545-93D5-43ED-9412-4E797E7D5EC2}"/>
+              </a:ext>
+            </a:extLst>
+          </p:cNvPr>
+          <p:cNvPicPr>
+            <a:picLocks noChangeAspect="1"/>
+          </p:cNvPicPr>
+          <p:nvPr/>
+        </p:nvPicPr>
+        <p:blipFill>
+          <a:blip r:embed="rId2">
+            <a:extLst>
+              <a:ext uri="{28A0092B-C50C-407E-A947-70E740481C1C}">
+                <a14:useLocalDpi xmlns:a14="http://schemas.microsoft.com/office/drawing/2010/main" val="0"/>
+              </a:ext>
+              <a:ext uri="{96DAC541-7B7A-43D3-8B79-37D633B846F1}">
+                <asvg:svgBlip xmlns:asvg="http://schemas.microsoft.com/office/drawing/2016/SVG/main" r:embed="rId3"/>
+              </a:ext>
+            </a:extLst>
+          </a:blip>
+          <a:stretch>
+            <a:fillRect/>
+          </a:stretch>
+        </p:blipFill>
+        <p:spPr>
+          <a:xfrm>
+            <a:off x="5557520" y="5729316"/>
+            <a:ext cx="914400" cy="914400"/>
+          </a:xfrm>
+          <a:prstGeom prst="rect">
+            <a:avLst/>
+          </a:prstGeom>
+        </p:spPr>
+      </p:pic>
+      <p:sp>
+        <p:nvSpPr>
+          <p:cNvPr id="24" name="말풍선: 모서리가 둥근 사각형 23">
+            <a:extLst>
+              <a:ext uri="{FF2B5EF4-FFF2-40B4-BE49-F238E27FC236}">
+                <a16:creationId xmlns:a16="http://schemas.microsoft.com/office/drawing/2014/main" id="{57CAF80C-A83C-46AE-9D57-4958DF7C0FF4}"/>
+              </a:ext>
+            </a:extLst>
+          </p:cNvPr>
+          <p:cNvSpPr/>
+          <p:nvPr/>
+        </p:nvSpPr>
+        <p:spPr>
+          <a:xfrm>
+            <a:off x="1906845" y="4901130"/>
+            <a:ext cx="2751513" cy="822960"/>
+          </a:xfrm>
+          <a:prstGeom prst="wedgeRoundRectCallout">
+            <a:avLst>
+              <a:gd name="adj1" fmla="val 82282"/>
+              <a:gd name="adj2" fmla="val 93611"/>
+              <a:gd name="adj3" fmla="val 16667"/>
+            </a:avLst>
+          </a:prstGeom>
+          <a:noFill/>
+          <a:ln w="28575">
+            <a:solidFill>
+              <a:schemeClr val="tx1"/>
+            </a:solidFill>
+          </a:ln>
+        </p:spPr>
+        <p:style>
+          <a:lnRef idx="2">
+            <a:schemeClr val="accent1">
+              <a:shade val="50000"/>
+            </a:schemeClr>
+          </a:lnRef>
+          <a:fillRef idx="1">
+            <a:schemeClr val="accent1"/>
+          </a:fillRef>
+          <a:effectRef idx="0">
+            <a:schemeClr val="accent1"/>
+          </a:effectRef>
+          <a:fontRef idx="minor">
+            <a:schemeClr val="lt1"/>
+          </a:fontRef>
+        </p:style>
+        <p:txBody>
+          <a:bodyPr rtlCol="0" anchor="ctr"/>
+          <a:lstStyle/>
+          <a:p>
+            <a:pPr algn="ctr"/>
+            <a:r>
+              <a:rPr lang="ko-KR" altLang="en-US" sz="1400" b="1" dirty="0">
+                <a:solidFill>
+                  <a:schemeClr val="tx1"/>
+                </a:solidFill>
+              </a:rPr>
+              <a:t>저는 제 파트를 정했습니다</a:t>
+            </a:r>
+            <a:r>
+              <a:rPr lang="en-US" altLang="ko-KR" sz="1400" b="1" dirty="0">
+                <a:solidFill>
+                  <a:schemeClr val="tx1"/>
+                </a:solidFill>
+              </a:rPr>
+              <a:t>.</a:t>
+            </a:r>
+            <a:endParaRPr lang="ko-KR" altLang="en-US" sz="1400" b="1" dirty="0">
+              <a:solidFill>
+                <a:schemeClr val="tx1"/>
+              </a:solidFill>
+            </a:endParaRPr>
+          </a:p>
+        </p:txBody>
+      </p:sp>
+      <p:sp>
+        <p:nvSpPr>
+          <p:cNvPr id="32" name="말풍선: 모서리가 둥근 사각형 31">
+            <a:extLst>
+              <a:ext uri="{FF2B5EF4-FFF2-40B4-BE49-F238E27FC236}">
+                <a16:creationId xmlns:a16="http://schemas.microsoft.com/office/drawing/2014/main" id="{2AC0B47D-58AC-44E6-A3F2-B0D21C3E1E45}"/>
+              </a:ext>
+            </a:extLst>
+          </p:cNvPr>
+          <p:cNvSpPr/>
+          <p:nvPr/>
+        </p:nvSpPr>
+        <p:spPr>
+          <a:xfrm>
+            <a:off x="7371082" y="4901130"/>
+            <a:ext cx="2751513" cy="822960"/>
+          </a:xfrm>
+          <a:prstGeom prst="wedgeRoundRectCallout">
+            <a:avLst>
+              <a:gd name="adj1" fmla="val -85358"/>
+              <a:gd name="adj2" fmla="val 94846"/>
+              <a:gd name="adj3" fmla="val 16667"/>
+            </a:avLst>
+          </a:prstGeom>
+          <a:noFill/>
+          <a:ln w="28575">
+            <a:solidFill>
+              <a:schemeClr val="tx1"/>
+            </a:solidFill>
+          </a:ln>
+        </p:spPr>
+        <p:style>
+          <a:lnRef idx="2">
+            <a:schemeClr val="accent1">
+              <a:shade val="50000"/>
+            </a:schemeClr>
+          </a:lnRef>
+          <a:fillRef idx="1">
+            <a:schemeClr val="accent1"/>
+          </a:fillRef>
+          <a:effectRef idx="0">
+            <a:schemeClr val="accent1"/>
+          </a:effectRef>
+          <a:fontRef idx="minor">
+            <a:schemeClr val="lt1"/>
+          </a:fontRef>
+        </p:style>
+        <p:txBody>
+          <a:bodyPr rtlCol="0" anchor="ctr"/>
+          <a:lstStyle/>
+          <a:p>
+            <a:pPr algn="ctr"/>
+            <a:r>
+              <a:rPr lang="ko-KR" altLang="en-US" sz="1400" b="1" dirty="0">
+                <a:solidFill>
+                  <a:schemeClr val="tx1"/>
+                </a:solidFill>
+              </a:rPr>
+              <a:t>난 </a:t>
+            </a:r>
+            <a:r>
+              <a:rPr lang="en-US" altLang="ko-KR" sz="1400" b="1" dirty="0">
+                <a:solidFill>
+                  <a:schemeClr val="tx1"/>
+                </a:solidFill>
+              </a:rPr>
+              <a:t>000 </a:t>
+            </a:r>
+            <a:r>
+              <a:rPr lang="ko-KR" altLang="en-US" sz="1400" b="1" dirty="0">
+                <a:solidFill>
+                  <a:schemeClr val="tx1"/>
+                </a:solidFill>
+              </a:rPr>
+              <a:t>회사에 </a:t>
+            </a:r>
+            <a:r>
+              <a:rPr lang="ko-KR" altLang="en-US" sz="1400" b="1" dirty="0" err="1">
+                <a:solidFill>
+                  <a:schemeClr val="tx1"/>
+                </a:solidFill>
+              </a:rPr>
+              <a:t>들어갈꺼야</a:t>
+            </a:r>
+            <a:r>
+              <a:rPr lang="en-US" altLang="ko-KR" sz="1400" b="1" dirty="0">
+                <a:solidFill>
+                  <a:schemeClr val="tx1"/>
+                </a:solidFill>
+              </a:rPr>
+              <a:t>!</a:t>
+            </a:r>
+            <a:endParaRPr lang="ko-KR" altLang="en-US" sz="1400" b="1" dirty="0">
+              <a:solidFill>
+                <a:schemeClr val="tx1"/>
+              </a:solidFill>
+            </a:endParaRPr>
+          </a:p>
+        </p:txBody>
+      </p:sp>
+      <p:sp>
+        <p:nvSpPr>
+          <p:cNvPr id="5" name="화살표: 위쪽 4">
+            <a:extLst>
+              <a:ext uri="{FF2B5EF4-FFF2-40B4-BE49-F238E27FC236}">
+                <a16:creationId xmlns:a16="http://schemas.microsoft.com/office/drawing/2014/main" id="{41BB51EF-44C9-4680-8FBB-5E412CFF98F3}"/>
+              </a:ext>
+            </a:extLst>
+          </p:cNvPr>
+          <p:cNvSpPr/>
+          <p:nvPr/>
+        </p:nvSpPr>
+        <p:spPr>
+          <a:xfrm>
+            <a:off x="3120041" y="4169615"/>
+            <a:ext cx="325120" cy="548638"/>
+          </a:xfrm>
+          <a:prstGeom prst="upArrow">
+            <a:avLst/>
+          </a:prstGeom>
+          <a:solidFill>
+            <a:schemeClr val="tx1"/>
+          </a:solidFill>
+          <a:ln>
+            <a:solidFill>
+              <a:schemeClr val="tx1"/>
+            </a:solidFill>
+          </a:ln>
+        </p:spPr>
+        <p:style>
+          <a:lnRef idx="2">
+            <a:schemeClr val="accent1">
+              <a:shade val="50000"/>
+            </a:schemeClr>
+          </a:lnRef>
+          <a:fillRef idx="1">
+            <a:schemeClr val="accent1"/>
+          </a:fillRef>
+          <a:effectRef idx="0">
+            <a:schemeClr val="accent1"/>
+          </a:effectRef>
+          <a:fontRef idx="minor">
+            <a:schemeClr val="lt1"/>
+          </a:fontRef>
+        </p:style>
+        <p:txBody>
+          <a:bodyPr rtlCol="0" anchor="ctr"/>
+          <a:lstStyle/>
+          <a:p>
+            <a:pPr algn="ctr"/>
+            <a:endParaRPr lang="ko-KR" altLang="en-US"/>
+          </a:p>
+        </p:txBody>
+      </p:sp>
+      <p:sp>
+        <p:nvSpPr>
+          <p:cNvPr id="33" name="화살표: 위쪽 32">
+            <a:extLst>
+              <a:ext uri="{FF2B5EF4-FFF2-40B4-BE49-F238E27FC236}">
+                <a16:creationId xmlns:a16="http://schemas.microsoft.com/office/drawing/2014/main" id="{3122584E-CE18-41FA-BF3F-C6C3C0C12C0F}"/>
+              </a:ext>
+            </a:extLst>
+          </p:cNvPr>
+          <p:cNvSpPr/>
+          <p:nvPr/>
+        </p:nvSpPr>
+        <p:spPr>
+          <a:xfrm>
+            <a:off x="8584278" y="4147288"/>
+            <a:ext cx="325120" cy="548638"/>
+          </a:xfrm>
+          <a:prstGeom prst="upArrow">
+            <a:avLst/>
+          </a:prstGeom>
+          <a:solidFill>
+            <a:schemeClr val="tx1"/>
+          </a:solidFill>
+          <a:ln>
+            <a:solidFill>
+              <a:schemeClr val="tx1"/>
+            </a:solidFill>
+          </a:ln>
+        </p:spPr>
+        <p:style>
+          <a:lnRef idx="2">
+            <a:schemeClr val="accent1">
+              <a:shade val="50000"/>
+            </a:schemeClr>
+          </a:lnRef>
+          <a:fillRef idx="1">
+            <a:schemeClr val="accent1"/>
+          </a:fillRef>
+          <a:effectRef idx="0">
+            <a:schemeClr val="accent1"/>
+          </a:effectRef>
+          <a:fontRef idx="minor">
+            <a:schemeClr val="lt1"/>
+          </a:fontRef>
+        </p:style>
+        <p:txBody>
+          <a:bodyPr rtlCol="0" anchor="ctr"/>
+          <a:lstStyle/>
+          <a:p>
+            <a:pPr algn="ctr"/>
+            <a:endParaRPr lang="ko-KR" altLang="en-US"/>
+          </a:p>
+        </p:txBody>
+      </p:sp>
+      <p:sp>
+        <p:nvSpPr>
+          <p:cNvPr id="6" name="사각형: 둥근 모서리 5">
+            <a:extLst>
+              <a:ext uri="{FF2B5EF4-FFF2-40B4-BE49-F238E27FC236}">
+                <a16:creationId xmlns:a16="http://schemas.microsoft.com/office/drawing/2014/main" id="{C2AE0361-21A0-4CAB-B290-0775AE41A450}"/>
+              </a:ext>
+            </a:extLst>
+          </p:cNvPr>
+          <p:cNvSpPr/>
+          <p:nvPr/>
+        </p:nvSpPr>
+        <p:spPr>
+          <a:xfrm>
+            <a:off x="1512856" y="1866900"/>
+            <a:ext cx="3455384" cy="1790699"/>
+          </a:xfrm>
+          <a:prstGeom prst="roundRect">
+            <a:avLst/>
+          </a:prstGeom>
+          <a:noFill/>
+          <a:ln w="28575">
+            <a:solidFill>
+              <a:schemeClr val="tx1"/>
+            </a:solidFill>
+          </a:ln>
+        </p:spPr>
+        <p:style>
+          <a:lnRef idx="2">
+            <a:schemeClr val="accent1">
+              <a:shade val="50000"/>
+            </a:schemeClr>
+          </a:lnRef>
+          <a:fillRef idx="1">
+            <a:schemeClr val="accent1"/>
+          </a:fillRef>
+          <a:effectRef idx="0">
+            <a:schemeClr val="accent1"/>
+          </a:effectRef>
+          <a:fontRef idx="minor">
+            <a:schemeClr val="lt1"/>
+          </a:fontRef>
+        </p:style>
+        <p:txBody>
+          <a:bodyPr rtlCol="0" anchor="ctr"/>
+          <a:lstStyle/>
+          <a:p>
+            <a:pPr algn="ctr"/>
+            <a:r>
+              <a:rPr lang="ko-KR" altLang="en-US" b="1" dirty="0">
+                <a:solidFill>
+                  <a:schemeClr val="tx1"/>
+                </a:solidFill>
+              </a:rPr>
+              <a:t>연결된 파트의 기본 지식</a:t>
+            </a:r>
+          </a:p>
+        </p:txBody>
+      </p:sp>
+      <p:sp>
+        <p:nvSpPr>
+          <p:cNvPr id="34" name="사각형: 둥근 모서리 33">
+            <a:extLst>
+              <a:ext uri="{FF2B5EF4-FFF2-40B4-BE49-F238E27FC236}">
+                <a16:creationId xmlns:a16="http://schemas.microsoft.com/office/drawing/2014/main" id="{F833DC91-FA75-4D8F-B8D7-701BE6345DAE}"/>
+              </a:ext>
+            </a:extLst>
+          </p:cNvPr>
+          <p:cNvSpPr/>
+          <p:nvPr/>
+        </p:nvSpPr>
+        <p:spPr>
+          <a:xfrm>
+            <a:off x="7019146" y="1866900"/>
+            <a:ext cx="3455384" cy="1790699"/>
+          </a:xfrm>
+          <a:prstGeom prst="roundRect">
+            <a:avLst/>
+          </a:prstGeom>
+          <a:noFill/>
+          <a:ln w="28575">
+            <a:solidFill>
+              <a:schemeClr val="tx1"/>
+            </a:solidFill>
+          </a:ln>
+        </p:spPr>
+        <p:style>
+          <a:lnRef idx="2">
+            <a:schemeClr val="accent1">
+              <a:shade val="50000"/>
+            </a:schemeClr>
+          </a:lnRef>
+          <a:fillRef idx="1">
+            <a:schemeClr val="accent1"/>
+          </a:fillRef>
+          <a:effectRef idx="0">
+            <a:schemeClr val="accent1"/>
+          </a:effectRef>
+          <a:fontRef idx="minor">
+            <a:schemeClr val="lt1"/>
+          </a:fontRef>
+        </p:style>
+        <p:txBody>
+          <a:bodyPr rtlCol="0" anchor="ctr"/>
+          <a:lstStyle/>
+          <a:p>
+            <a:pPr algn="ctr"/>
+            <a:r>
+              <a:rPr lang="ko-KR" altLang="en-US" b="1" dirty="0">
+                <a:solidFill>
+                  <a:schemeClr val="tx1"/>
+                </a:solidFill>
+              </a:rPr>
+              <a:t>원하는 회사의 자격조건 확인</a:t>
+            </a:r>
+            <a:endParaRPr lang="en-US" altLang="ko-KR" b="1" dirty="0">
+              <a:solidFill>
+                <a:schemeClr val="tx1"/>
+              </a:solidFill>
+            </a:endParaRPr>
+          </a:p>
+          <a:p>
+            <a:pPr algn="ctr"/>
+            <a:r>
+              <a:rPr lang="en-US" altLang="ko-KR" b="1" dirty="0">
+                <a:solidFill>
+                  <a:schemeClr val="tx1"/>
+                </a:solidFill>
+              </a:rPr>
+              <a:t>+ </a:t>
+            </a:r>
+            <a:r>
+              <a:rPr lang="ko-KR" altLang="en-US" b="1" u="sng" dirty="0">
+                <a:solidFill>
+                  <a:srgbClr val="FF0000"/>
+                </a:solidFill>
+              </a:rPr>
+              <a:t>우대조건</a:t>
+            </a:r>
+            <a:r>
+              <a:rPr lang="ko-KR" altLang="en-US" b="1" u="sng" dirty="0">
+                <a:solidFill>
+                  <a:schemeClr val="tx1"/>
+                </a:solidFill>
+              </a:rPr>
+              <a:t> 확인</a:t>
+            </a:r>
+          </a:p>
+        </p:txBody>
+      </p:sp>
+    </p:spTree>
+    <p:extLst>
+      <p:ext uri="{BB962C8B-B14F-4D97-AF65-F5344CB8AC3E}">
+        <p14:creationId xmlns:p14="http://schemas.microsoft.com/office/powerpoint/2010/main" val="3034695756"/>
       </p:ext>
     </p:extLst>
   </p:cSld>
@@ -8424,42 +11167,242 @@
           </a:fontRef>
         </p:style>
       </p:cxnSp>
-      <p:pic>
-        <p:nvPicPr>
-          <p:cNvPr id="6" name="그림 5">
-            <a:extLst>
-              <a:ext uri="{FF2B5EF4-FFF2-40B4-BE49-F238E27FC236}">
-                <a16:creationId xmlns:a16="http://schemas.microsoft.com/office/drawing/2014/main" id="{6FA410DD-AD64-471C-8F5E-13AF0034935A}"/>
-              </a:ext>
-            </a:extLst>
-          </p:cNvPr>
-          <p:cNvPicPr>
-            <a:picLocks noChangeAspect="1"/>
-          </p:cNvPicPr>
-          <p:nvPr/>
-        </p:nvPicPr>
-        <p:blipFill>
-          <a:blip r:embed="rId2">
-            <a:extLst>
-              <a:ext uri="{28A0092B-C50C-407E-A947-70E740481C1C}">
-                <a14:useLocalDpi xmlns:a14="http://schemas.microsoft.com/office/drawing/2010/main" val="0"/>
-              </a:ext>
-            </a:extLst>
-          </a:blip>
-          <a:stretch>
-            <a:fillRect/>
-          </a:stretch>
-        </p:blipFill>
-        <p:spPr>
-          <a:xfrm>
-            <a:off x="674703" y="1357043"/>
-            <a:ext cx="10569070" cy="5129376"/>
+      <p:sp>
+        <p:nvSpPr>
+          <p:cNvPr id="4" name="직사각형 3">
+            <a:extLst>
+              <a:ext uri="{FF2B5EF4-FFF2-40B4-BE49-F238E27FC236}">
+                <a16:creationId xmlns:a16="http://schemas.microsoft.com/office/drawing/2014/main" id="{353B8F1F-FE2E-4E28-951D-1B1494C50755}"/>
+              </a:ext>
+            </a:extLst>
+          </p:cNvPr>
+          <p:cNvSpPr/>
+          <p:nvPr/>
+        </p:nvSpPr>
+        <p:spPr>
+          <a:xfrm>
+            <a:off x="2036618" y="1834229"/>
+            <a:ext cx="2751513" cy="1770611"/>
           </a:xfrm>
           <a:prstGeom prst="rect">
             <a:avLst/>
           </a:prstGeom>
-        </p:spPr>
-      </p:pic>
+          <a:noFill/>
+          <a:ln>
+            <a:solidFill>
+              <a:schemeClr val="tx1"/>
+            </a:solidFill>
+          </a:ln>
+        </p:spPr>
+        <p:style>
+          <a:lnRef idx="2">
+            <a:schemeClr val="accent1">
+              <a:shade val="50000"/>
+            </a:schemeClr>
+          </a:lnRef>
+          <a:fillRef idx="1">
+            <a:schemeClr val="accent1"/>
+          </a:fillRef>
+          <a:effectRef idx="0">
+            <a:schemeClr val="accent1"/>
+          </a:effectRef>
+          <a:fontRef idx="minor">
+            <a:schemeClr val="lt1"/>
+          </a:fontRef>
+        </p:style>
+        <p:txBody>
+          <a:bodyPr rtlCol="0" anchor="ctr"/>
+          <a:lstStyle/>
+          <a:p>
+            <a:pPr algn="ctr"/>
+            <a:r>
+              <a:rPr lang="ko-KR" altLang="en-US" dirty="0">
+                <a:solidFill>
+                  <a:schemeClr val="tx1"/>
+                </a:solidFill>
+              </a:rPr>
+              <a:t>졸작 사진 </a:t>
+            </a:r>
+          </a:p>
+        </p:txBody>
+      </p:sp>
+      <p:sp>
+        <p:nvSpPr>
+          <p:cNvPr id="8" name="직사각형 7">
+            <a:extLst>
+              <a:ext uri="{FF2B5EF4-FFF2-40B4-BE49-F238E27FC236}">
+                <a16:creationId xmlns:a16="http://schemas.microsoft.com/office/drawing/2014/main" id="{E767F25D-1322-4CF7-88CD-8B6E86D7042D}"/>
+              </a:ext>
+            </a:extLst>
+          </p:cNvPr>
+          <p:cNvSpPr/>
+          <p:nvPr/>
+        </p:nvSpPr>
+        <p:spPr>
+          <a:xfrm>
+            <a:off x="6420196" y="1834229"/>
+            <a:ext cx="2751513" cy="1770611"/>
+          </a:xfrm>
+          <a:prstGeom prst="rect">
+            <a:avLst/>
+          </a:prstGeom>
+          <a:noFill/>
+          <a:ln>
+            <a:solidFill>
+              <a:schemeClr val="tx1"/>
+            </a:solidFill>
+          </a:ln>
+        </p:spPr>
+        <p:style>
+          <a:lnRef idx="2">
+            <a:schemeClr val="accent1">
+              <a:shade val="50000"/>
+            </a:schemeClr>
+          </a:lnRef>
+          <a:fillRef idx="1">
+            <a:schemeClr val="accent1"/>
+          </a:fillRef>
+          <a:effectRef idx="0">
+            <a:schemeClr val="accent1"/>
+          </a:effectRef>
+          <a:fontRef idx="minor">
+            <a:schemeClr val="lt1"/>
+          </a:fontRef>
+        </p:style>
+        <p:txBody>
+          <a:bodyPr rtlCol="0" anchor="ctr"/>
+          <a:lstStyle/>
+          <a:p>
+            <a:pPr algn="ctr"/>
+            <a:r>
+              <a:rPr lang="ko-KR" altLang="en-US" dirty="0">
+                <a:solidFill>
+                  <a:schemeClr val="tx1"/>
+                </a:solidFill>
+              </a:rPr>
+              <a:t>졸작 사진 </a:t>
+            </a:r>
+          </a:p>
+        </p:txBody>
+      </p:sp>
+      <p:sp>
+        <p:nvSpPr>
+          <p:cNvPr id="9" name="직사각형 8">
+            <a:extLst>
+              <a:ext uri="{FF2B5EF4-FFF2-40B4-BE49-F238E27FC236}">
+                <a16:creationId xmlns:a16="http://schemas.microsoft.com/office/drawing/2014/main" id="{D5E4535F-EB50-4C52-8F14-CA3DD1F6C59F}"/>
+              </a:ext>
+            </a:extLst>
+          </p:cNvPr>
+          <p:cNvSpPr/>
+          <p:nvPr/>
+        </p:nvSpPr>
+        <p:spPr>
+          <a:xfrm>
+            <a:off x="2041466" y="3953479"/>
+            <a:ext cx="2751513" cy="1770611"/>
+          </a:xfrm>
+          <a:prstGeom prst="rect">
+            <a:avLst/>
+          </a:prstGeom>
+          <a:noFill/>
+          <a:ln>
+            <a:solidFill>
+              <a:schemeClr val="tx1"/>
+            </a:solidFill>
+          </a:ln>
+        </p:spPr>
+        <p:style>
+          <a:lnRef idx="2">
+            <a:schemeClr val="accent1">
+              <a:shade val="50000"/>
+            </a:schemeClr>
+          </a:lnRef>
+          <a:fillRef idx="1">
+            <a:schemeClr val="accent1"/>
+          </a:fillRef>
+          <a:effectRef idx="0">
+            <a:schemeClr val="accent1"/>
+          </a:effectRef>
+          <a:fontRef idx="minor">
+            <a:schemeClr val="lt1"/>
+          </a:fontRef>
+        </p:style>
+        <p:txBody>
+          <a:bodyPr rtlCol="0" anchor="ctr"/>
+          <a:lstStyle/>
+          <a:p>
+            <a:pPr algn="ctr"/>
+            <a:r>
+              <a:rPr lang="ko-KR" altLang="en-US" dirty="0">
+                <a:solidFill>
+                  <a:schemeClr val="tx1"/>
+                </a:solidFill>
+              </a:rPr>
+              <a:t>졸작 사진 </a:t>
+            </a:r>
+          </a:p>
+        </p:txBody>
+      </p:sp>
+      <p:sp>
+        <p:nvSpPr>
+          <p:cNvPr id="10" name="직사각형 9">
+            <a:extLst>
+              <a:ext uri="{FF2B5EF4-FFF2-40B4-BE49-F238E27FC236}">
+                <a16:creationId xmlns:a16="http://schemas.microsoft.com/office/drawing/2014/main" id="{57F1627A-E5B3-4779-8B28-23D59C4F2016}"/>
+              </a:ext>
+            </a:extLst>
+          </p:cNvPr>
+          <p:cNvSpPr/>
+          <p:nvPr/>
+        </p:nvSpPr>
+        <p:spPr>
+          <a:xfrm>
+            <a:off x="6420196" y="3953478"/>
+            <a:ext cx="2751513" cy="1770611"/>
+          </a:xfrm>
+          <a:prstGeom prst="rect">
+            <a:avLst/>
+          </a:prstGeom>
+          <a:noFill/>
+          <a:ln>
+            <a:solidFill>
+              <a:schemeClr val="tx1"/>
+            </a:solidFill>
+          </a:ln>
+        </p:spPr>
+        <p:style>
+          <a:lnRef idx="2">
+            <a:schemeClr val="accent1">
+              <a:shade val="50000"/>
+            </a:schemeClr>
+          </a:lnRef>
+          <a:fillRef idx="1">
+            <a:schemeClr val="accent1"/>
+          </a:fillRef>
+          <a:effectRef idx="0">
+            <a:schemeClr val="accent1"/>
+          </a:effectRef>
+          <a:fontRef idx="minor">
+            <a:schemeClr val="lt1"/>
+          </a:fontRef>
+        </p:style>
+        <p:txBody>
+          <a:bodyPr rtlCol="0" anchor="ctr"/>
+          <a:lstStyle/>
+          <a:p>
+            <a:pPr algn="ctr"/>
+            <a:r>
+              <a:rPr lang="ko-KR" altLang="en-US" dirty="0">
+                <a:solidFill>
+                  <a:schemeClr val="tx1"/>
+                </a:solidFill>
+              </a:rPr>
+              <a:t>졸작 사진 </a:t>
+            </a:r>
+          </a:p>
+        </p:txBody>
+      </p:sp>
     </p:spTree>
     <p:extLst>
       <p:ext uri="{BB962C8B-B14F-4D97-AF65-F5344CB8AC3E}">
